--- a/Configurations/pinpairformal.pptx
+++ b/Configurations/pinpairformal.pptx
@@ -107,6 +107,11 @@
       </a:defRPr>
     </a:lvl9pPr>
   </p:defaultTextStyle>
+  <p:extLst>
+    <p:ext uri="{EFAFB233-063F-42B5-8137-9DF3F51BA10A}">
+      <p15:sldGuideLst xmlns:p15="http://schemas.microsoft.com/office/powerpoint/2012/main"/>
+    </p:ext>
+  </p:extLst>
 </p:presentation>
 </file>
 
@@ -192,7 +197,7 @@
           <a:p>
             <a:fld id="{25C52187-5773-3143-91F4-BAB28BBD7C2E}" type="datetimeFigureOut">
               <a:rPr lang="en-US" smtClean="0"/>
-              <a:t>4/23/19</a:t>
+              <a:t>4/24/19</a:t>
             </a:fld>
             <a:endParaRPr lang="en-US"/>
           </a:p>
@@ -680,7 +685,7 @@
           <a:p>
             <a:fld id="{50B6532A-4DED-2745-914B-B7E493FC0427}" type="datetimeFigureOut">
               <a:rPr lang="en-US" smtClean="0"/>
-              <a:t>4/23/19</a:t>
+              <a:t>4/24/19</a:t>
             </a:fld>
             <a:endParaRPr lang="en-US"/>
           </a:p>
@@ -845,7 +850,7 @@
           <a:p>
             <a:fld id="{50B6532A-4DED-2745-914B-B7E493FC0427}" type="datetimeFigureOut">
               <a:rPr lang="en-US" smtClean="0"/>
-              <a:t>4/23/19</a:t>
+              <a:t>4/24/19</a:t>
             </a:fld>
             <a:endParaRPr lang="en-US"/>
           </a:p>
@@ -1020,7 +1025,7 @@
           <a:p>
             <a:fld id="{50B6532A-4DED-2745-914B-B7E493FC0427}" type="datetimeFigureOut">
               <a:rPr lang="en-US" smtClean="0"/>
-              <a:t>4/23/19</a:t>
+              <a:t>4/24/19</a:t>
             </a:fld>
             <a:endParaRPr lang="en-US"/>
           </a:p>
@@ -1185,7 +1190,7 @@
           <a:p>
             <a:fld id="{50B6532A-4DED-2745-914B-B7E493FC0427}" type="datetimeFigureOut">
               <a:rPr lang="en-US" smtClean="0"/>
-              <a:t>4/23/19</a:t>
+              <a:t>4/24/19</a:t>
             </a:fld>
             <a:endParaRPr lang="en-US"/>
           </a:p>
@@ -1426,7 +1431,7 @@
           <a:p>
             <a:fld id="{50B6532A-4DED-2745-914B-B7E493FC0427}" type="datetimeFigureOut">
               <a:rPr lang="en-US" smtClean="0"/>
-              <a:t>4/23/19</a:t>
+              <a:t>4/24/19</a:t>
             </a:fld>
             <a:endParaRPr lang="en-US"/>
           </a:p>
@@ -1653,7 +1658,7 @@
           <a:p>
             <a:fld id="{50B6532A-4DED-2745-914B-B7E493FC0427}" type="datetimeFigureOut">
               <a:rPr lang="en-US" smtClean="0"/>
-              <a:t>4/23/19</a:t>
+              <a:t>4/24/19</a:t>
             </a:fld>
             <a:endParaRPr lang="en-US"/>
           </a:p>
@@ -2015,7 +2020,7 @@
           <a:p>
             <a:fld id="{50B6532A-4DED-2745-914B-B7E493FC0427}" type="datetimeFigureOut">
               <a:rPr lang="en-US" smtClean="0"/>
-              <a:t>4/23/19</a:t>
+              <a:t>4/24/19</a:t>
             </a:fld>
             <a:endParaRPr lang="en-US"/>
           </a:p>
@@ -2128,7 +2133,7 @@
           <a:p>
             <a:fld id="{50B6532A-4DED-2745-914B-B7E493FC0427}" type="datetimeFigureOut">
               <a:rPr lang="en-US" smtClean="0"/>
-              <a:t>4/23/19</a:t>
+              <a:t>4/24/19</a:t>
             </a:fld>
             <a:endParaRPr lang="en-US"/>
           </a:p>
@@ -2218,7 +2223,7 @@
           <a:p>
             <a:fld id="{50B6532A-4DED-2745-914B-B7E493FC0427}" type="datetimeFigureOut">
               <a:rPr lang="en-US" smtClean="0"/>
-              <a:t>4/23/19</a:t>
+              <a:t>4/24/19</a:t>
             </a:fld>
             <a:endParaRPr lang="en-US"/>
           </a:p>
@@ -2490,7 +2495,7 @@
           <a:p>
             <a:fld id="{50B6532A-4DED-2745-914B-B7E493FC0427}" type="datetimeFigureOut">
               <a:rPr lang="en-US" smtClean="0"/>
-              <a:t>4/23/19</a:t>
+              <a:t>4/24/19</a:t>
             </a:fld>
             <a:endParaRPr lang="en-US"/>
           </a:p>
@@ -2742,7 +2747,7 @@
           <a:p>
             <a:fld id="{50B6532A-4DED-2745-914B-B7E493FC0427}" type="datetimeFigureOut">
               <a:rPr lang="en-US" smtClean="0"/>
-              <a:t>4/23/19</a:t>
+              <a:t>4/24/19</a:t>
             </a:fld>
             <a:endParaRPr lang="en-US"/>
           </a:p>
@@ -2950,7 +2955,7 @@
           <a:p>
             <a:fld id="{50B6532A-4DED-2745-914B-B7E493FC0427}" type="datetimeFigureOut">
               <a:rPr lang="en-US" smtClean="0"/>
-              <a:t>4/23/19</a:t>
+              <a:t>4/24/19</a:t>
             </a:fld>
             <a:endParaRPr lang="en-US"/>
           </a:p>
@@ -4131,7 +4136,7 @@
         </p:nvGrpSpPr>
         <p:grpSpPr>
           <a:xfrm>
-            <a:off x="416119" y="-34517"/>
+            <a:off x="411060" y="1448520"/>
             <a:ext cx="3707678" cy="1475998"/>
             <a:chOff x="454519" y="36920"/>
             <a:chExt cx="3707678" cy="1475998"/>
@@ -4205,11 +4210,6 @@
                 </a:rPr>
                 <a:t>+</a:t>
               </a:r>
-              <a:endParaRPr lang="en-US" sz="2400" dirty="0">
-                <a:solidFill>
-                  <a:schemeClr val="bg1"/>
-                </a:solidFill>
-              </a:endParaRPr>
             </a:p>
           </p:txBody>
         </p:sp>
@@ -4243,11 +4243,6 @@
                 </a:rPr>
                 <a:t>+</a:t>
               </a:r>
-              <a:endParaRPr lang="en-US" sz="2400" dirty="0">
-                <a:solidFill>
-                  <a:schemeClr val="bg1"/>
-                </a:solidFill>
-              </a:endParaRPr>
             </a:p>
           </p:txBody>
         </p:sp>
@@ -4281,11 +4276,6 @@
                 </a:rPr>
                 <a:t>—</a:t>
               </a:r>
-              <a:endParaRPr lang="en-US" b="1" dirty="0">
-                <a:solidFill>
-                  <a:schemeClr val="bg1"/>
-                </a:solidFill>
-              </a:endParaRPr>
             </a:p>
           </p:txBody>
         </p:sp>
@@ -4319,11 +4309,6 @@
                 </a:rPr>
                 <a:t>—</a:t>
               </a:r>
-              <a:endParaRPr lang="en-US" b="1" dirty="0">
-                <a:solidFill>
-                  <a:schemeClr val="bg1"/>
-                </a:solidFill>
-              </a:endParaRPr>
             </a:p>
           </p:txBody>
         </p:sp>
@@ -4830,7 +4815,7 @@
             <a:lstStyle/>
             <a:p>
               <a:r>
-                <a:rPr lang="en-US" sz="2400" dirty="0">
+                <a:rPr lang="en-US" sz="2400" dirty="0" smtClean="0">
                   <a:ln w="19050">
                     <a:noFill/>
                   </a:ln>
@@ -4843,7 +4828,7 @@
                     </a:glow>
                   </a:effectLst>
                 </a:rPr>
-                <a:t>A</a:t>
+                <a:t>A'</a:t>
               </a:r>
               <a:endParaRPr lang="en-US" sz="2400" dirty="0">
                 <a:ln w="19050">
@@ -4870,7 +4855,7 @@
         </p:nvGrpSpPr>
         <p:grpSpPr>
           <a:xfrm>
-            <a:off x="416119" y="1481316"/>
+            <a:off x="415271" y="-4476"/>
             <a:ext cx="3707678" cy="1441709"/>
             <a:chOff x="454519" y="1552752"/>
             <a:chExt cx="3707678" cy="1441709"/>
@@ -4941,11 +4926,6 @@
                 </a:rPr>
                 <a:t>+</a:t>
               </a:r>
-              <a:endParaRPr lang="en-US" sz="2400" dirty="0">
-                <a:solidFill>
-                  <a:schemeClr val="bg1"/>
-                </a:solidFill>
-              </a:endParaRPr>
             </a:p>
           </p:txBody>
         </p:sp>
@@ -4979,11 +4959,6 @@
                 </a:rPr>
                 <a:t>+</a:t>
               </a:r>
-              <a:endParaRPr lang="en-US" sz="2400" dirty="0">
-                <a:solidFill>
-                  <a:schemeClr val="bg1"/>
-                </a:solidFill>
-              </a:endParaRPr>
             </a:p>
           </p:txBody>
         </p:sp>
@@ -5017,11 +4992,6 @@
                 </a:rPr>
                 <a:t>—</a:t>
               </a:r>
-              <a:endParaRPr lang="en-US" b="1" dirty="0">
-                <a:solidFill>
-                  <a:schemeClr val="bg1"/>
-                </a:solidFill>
-              </a:endParaRPr>
             </a:p>
           </p:txBody>
         </p:sp>
@@ -5055,11 +5025,6 @@
                 </a:rPr>
                 <a:t>—</a:t>
               </a:r>
-              <a:endParaRPr lang="en-US" b="1" dirty="0">
-                <a:solidFill>
-                  <a:schemeClr val="bg1"/>
-                </a:solidFill>
-              </a:endParaRPr>
             </a:p>
           </p:txBody>
         </p:sp>
@@ -5566,7 +5531,7 @@
             <a:lstStyle/>
             <a:p>
               <a:r>
-                <a:rPr lang="en-US" sz="2400" dirty="0">
+                <a:rPr lang="en-US" sz="2400" dirty="0" smtClean="0">
                   <a:ln w="19050">
                     <a:noFill/>
                   </a:ln>
@@ -5579,7 +5544,7 @@
                     </a:glow>
                   </a:effectLst>
                 </a:rPr>
-                <a:t>A'</a:t>
+                <a:t>A</a:t>
               </a:r>
               <a:endParaRPr lang="en-US" sz="2400" dirty="0">
                 <a:ln w="19050">
@@ -5677,11 +5642,6 @@
                 </a:rPr>
                 <a:t>+</a:t>
               </a:r>
-              <a:endParaRPr lang="en-US" sz="2400" dirty="0">
-                <a:solidFill>
-                  <a:schemeClr val="bg1"/>
-                </a:solidFill>
-              </a:endParaRPr>
             </a:p>
           </p:txBody>
         </p:sp>
@@ -5715,11 +5675,6 @@
                 </a:rPr>
                 <a:t>+</a:t>
               </a:r>
-              <a:endParaRPr lang="en-US" sz="2400" dirty="0">
-                <a:solidFill>
-                  <a:schemeClr val="bg1"/>
-                </a:solidFill>
-              </a:endParaRPr>
             </a:p>
           </p:txBody>
         </p:sp>
@@ -5753,11 +5708,6 @@
                 </a:rPr>
                 <a:t>+</a:t>
               </a:r>
-              <a:endParaRPr lang="en-US" sz="2400" dirty="0">
-                <a:solidFill>
-                  <a:schemeClr val="bg1"/>
-                </a:solidFill>
-              </a:endParaRPr>
             </a:p>
           </p:txBody>
         </p:sp>
@@ -5791,11 +5741,6 @@
                 </a:rPr>
                 <a:t>+</a:t>
               </a:r>
-              <a:endParaRPr lang="en-US" sz="2400" dirty="0">
-                <a:solidFill>
-                  <a:schemeClr val="bg1"/>
-                </a:solidFill>
-              </a:endParaRPr>
             </a:p>
           </p:txBody>
         </p:sp>
@@ -6317,19 +6262,6 @@
                 </a:rPr>
                 <a:t>B</a:t>
               </a:r>
-              <a:endParaRPr lang="en-US" sz="2400" dirty="0">
-                <a:ln w="19050">
-                  <a:noFill/>
-                </a:ln>
-                <a:solidFill>
-                  <a:schemeClr val="bg1"/>
-                </a:solidFill>
-                <a:effectLst>
-                  <a:glow rad="63500">
-                    <a:schemeClr val="tx1"/>
-                  </a:glow>
-                </a:effectLst>
-              </a:endParaRPr>
             </a:p>
           </p:txBody>
         </p:sp>
@@ -6413,11 +6345,6 @@
                 </a:rPr>
                 <a:t>+</a:t>
               </a:r>
-              <a:endParaRPr lang="en-US" sz="2400" dirty="0">
-                <a:solidFill>
-                  <a:schemeClr val="bg1"/>
-                </a:solidFill>
-              </a:endParaRPr>
             </a:p>
           </p:txBody>
         </p:sp>
@@ -6451,11 +6378,6 @@
                 </a:rPr>
                 <a:t>+</a:t>
               </a:r>
-              <a:endParaRPr lang="en-US" sz="2400" dirty="0">
-                <a:solidFill>
-                  <a:schemeClr val="bg1"/>
-                </a:solidFill>
-              </a:endParaRPr>
             </a:p>
           </p:txBody>
         </p:sp>
@@ -6489,11 +6411,6 @@
                 </a:rPr>
                 <a:t>+</a:t>
               </a:r>
-              <a:endParaRPr lang="en-US" sz="2400" dirty="0">
-                <a:solidFill>
-                  <a:schemeClr val="bg1"/>
-                </a:solidFill>
-              </a:endParaRPr>
             </a:p>
           </p:txBody>
         </p:sp>
@@ -6527,11 +6444,6 @@
                 </a:rPr>
                 <a:t>+</a:t>
               </a:r>
-              <a:endParaRPr lang="en-US" sz="2400" dirty="0">
-                <a:solidFill>
-                  <a:schemeClr val="bg1"/>
-                </a:solidFill>
-              </a:endParaRPr>
             </a:p>
           </p:txBody>
         </p:sp>
@@ -6565,11 +6477,6 @@
                 </a:rPr>
                 <a:t>—</a:t>
               </a:r>
-              <a:endParaRPr lang="en-US" b="1" dirty="0">
-                <a:solidFill>
-                  <a:schemeClr val="bg1"/>
-                </a:solidFill>
-              </a:endParaRPr>
             </a:p>
           </p:txBody>
         </p:sp>
@@ -6603,11 +6510,6 @@
                 </a:rPr>
                 <a:t>—</a:t>
               </a:r>
-              <a:endParaRPr lang="en-US" b="1" dirty="0">
-                <a:solidFill>
-                  <a:schemeClr val="bg1"/>
-                </a:solidFill>
-              </a:endParaRPr>
             </a:p>
           </p:txBody>
         </p:sp>
@@ -6641,11 +6543,6 @@
                 </a:rPr>
                 <a:t>—</a:t>
               </a:r>
-              <a:endParaRPr lang="en-US" b="1" dirty="0">
-                <a:solidFill>
-                  <a:schemeClr val="bg1"/>
-                </a:solidFill>
-              </a:endParaRPr>
             </a:p>
           </p:txBody>
         </p:sp>
@@ -6679,11 +6576,6 @@
                 </a:rPr>
                 <a:t>—</a:t>
               </a:r>
-              <a:endParaRPr lang="en-US" b="1" dirty="0">
-                <a:solidFill>
-                  <a:schemeClr val="bg1"/>
-                </a:solidFill>
-              </a:endParaRPr>
             </a:p>
           </p:txBody>
         </p:sp>
@@ -6725,19 +6617,6 @@
                 </a:rPr>
                 <a:t>C</a:t>
               </a:r>
-              <a:endParaRPr lang="en-US" sz="2400" dirty="0">
-                <a:ln w="19050">
-                  <a:noFill/>
-                </a:ln>
-                <a:solidFill>
-                  <a:schemeClr val="bg1"/>
-                </a:solidFill>
-                <a:effectLst>
-                  <a:glow rad="63500">
-                    <a:schemeClr val="tx1"/>
-                  </a:glow>
-                </a:effectLst>
-              </a:endParaRPr>
             </a:p>
           </p:txBody>
         </p:sp>
@@ -9148,9 +9027,9 @@
         <p:grpSpPr>
           <a:xfrm>
             <a:off x="442700" y="1525553"/>
-            <a:ext cx="3695027" cy="1396877"/>
+            <a:ext cx="3689089" cy="1396877"/>
             <a:chOff x="758497" y="1596989"/>
-            <a:chExt cx="3695027" cy="1396877"/>
+            <a:chExt cx="3689089" cy="1396877"/>
           </a:xfrm>
         </p:grpSpPr>
         <p:grpSp>
@@ -9352,9 +9231,9 @@
           <p:grpSpPr>
             <a:xfrm>
               <a:off x="761528" y="2947483"/>
-              <a:ext cx="3691996" cy="46383"/>
+              <a:ext cx="3686058" cy="46383"/>
               <a:chOff x="1957787" y="5948602"/>
-              <a:chExt cx="3658818" cy="45720"/>
+              <a:chExt cx="3652933" cy="45720"/>
             </a:xfrm>
           </p:grpSpPr>
           <p:cxnSp>
@@ -9365,7 +9244,7 @@
             </p:nvCxnSpPr>
             <p:spPr>
               <a:xfrm>
-                <a:off x="5616605" y="5948602"/>
+                <a:off x="5610720" y="5948602"/>
                 <a:ext cx="0" cy="45720"/>
               </a:xfrm>
               <a:prstGeom prst="line">
@@ -9543,9 +9422,9 @@
         <p:grpSpPr>
           <a:xfrm>
             <a:off x="447484" y="36702"/>
-            <a:ext cx="3695027" cy="1396877"/>
+            <a:ext cx="3689089" cy="1396877"/>
             <a:chOff x="758497" y="1596989"/>
-            <a:chExt cx="3695027" cy="1396877"/>
+            <a:chExt cx="3689089" cy="1396877"/>
           </a:xfrm>
         </p:grpSpPr>
         <p:grpSp>
@@ -9747,9 +9626,9 @@
           <p:grpSpPr>
             <a:xfrm>
               <a:off x="761528" y="2947483"/>
-              <a:ext cx="3691996" cy="46383"/>
+              <a:ext cx="3686058" cy="46383"/>
               <a:chOff x="1957787" y="5948602"/>
-              <a:chExt cx="3658818" cy="45720"/>
+              <a:chExt cx="3652933" cy="45720"/>
             </a:xfrm>
           </p:grpSpPr>
           <p:cxnSp>
@@ -9760,7 +9639,7 @@
             </p:nvCxnSpPr>
             <p:spPr>
               <a:xfrm>
-                <a:off x="5616605" y="5948602"/>
+                <a:off x="5610720" y="5948602"/>
                 <a:ext cx="0" cy="45720"/>
               </a:xfrm>
               <a:prstGeom prst="line">

--- a/Configurations/pinpairformal.pptx
+++ b/Configurations/pinpairformal.pptx
@@ -5,10 +5,11 @@
     <p:sldMasterId id="2147483696" r:id="rId1"/>
   </p:sldMasterIdLst>
   <p:notesMasterIdLst>
-    <p:notesMasterId r:id="rId3"/>
+    <p:notesMasterId r:id="rId4"/>
   </p:notesMasterIdLst>
   <p:sldIdLst>
     <p:sldId id="256" r:id="rId2"/>
+    <p:sldId id="257" r:id="rId3"/>
   </p:sldIdLst>
   <p:sldSz cx="8915400" cy="5165725"/>
   <p:notesSz cx="6858000" cy="9144000"/>
@@ -545,6 +546,95 @@
     <p:extLst>
       <p:ext uri="{BB962C8B-B14F-4D97-AF65-F5344CB8AC3E}">
         <p14:creationId xmlns:p14="http://schemas.microsoft.com/office/powerpoint/2010/main" val="511916189"/>
+      </p:ext>
+    </p:extLst>
+  </p:cSld>
+  <p:clrMapOvr>
+    <a:masterClrMapping/>
+  </p:clrMapOvr>
+</p:notes>
+</file>
+
+<file path=ppt/notesSlides/notesSlide2.xml><?xml version="1.0" encoding="utf-8"?>
+<p:notes xmlns:a="http://schemas.openxmlformats.org/drawingml/2006/main" xmlns:r="http://schemas.openxmlformats.org/officeDocument/2006/relationships" xmlns:p="http://schemas.openxmlformats.org/presentationml/2006/main">
+  <p:cSld>
+    <p:spTree>
+      <p:nvGrpSpPr>
+        <p:cNvPr id="1" name=""/>
+        <p:cNvGrpSpPr/>
+        <p:nvPr/>
+      </p:nvGrpSpPr>
+      <p:grpSpPr>
+        <a:xfrm>
+          <a:off x="0" y="0"/>
+          <a:ext cx="0" cy="0"/>
+          <a:chOff x="0" y="0"/>
+          <a:chExt cx="0" cy="0"/>
+        </a:xfrm>
+      </p:grpSpPr>
+      <p:sp>
+        <p:nvSpPr>
+          <p:cNvPr id="2" name="Slide Image Placeholder 1"/>
+          <p:cNvSpPr>
+            <a:spLocks noGrp="1" noRot="1" noChangeAspect="1"/>
+          </p:cNvSpPr>
+          <p:nvPr>
+            <p:ph type="sldImg"/>
+          </p:nvPr>
+        </p:nvSpPr>
+        <p:spPr>
+          <a:xfrm>
+            <a:off x="765175" y="1143000"/>
+            <a:ext cx="5327650" cy="3086100"/>
+          </a:xfrm>
+        </p:spPr>
+      </p:sp>
+      <p:sp>
+        <p:nvSpPr>
+          <p:cNvPr id="3" name="Notes Placeholder 2"/>
+          <p:cNvSpPr>
+            <a:spLocks noGrp="1"/>
+          </p:cNvSpPr>
+          <p:nvPr>
+            <p:ph type="body" idx="1"/>
+          </p:nvPr>
+        </p:nvSpPr>
+        <p:spPr/>
+        <p:txBody>
+          <a:bodyPr/>
+          <a:lstStyle/>
+          <a:p>
+            <a:endParaRPr lang="en-US"/>
+          </a:p>
+        </p:txBody>
+      </p:sp>
+      <p:sp>
+        <p:nvSpPr>
+          <p:cNvPr id="4" name="Slide Number Placeholder 3"/>
+          <p:cNvSpPr>
+            <a:spLocks noGrp="1"/>
+          </p:cNvSpPr>
+          <p:nvPr>
+            <p:ph type="sldNum" sz="quarter" idx="10"/>
+          </p:nvPr>
+        </p:nvSpPr>
+        <p:spPr/>
+        <p:txBody>
+          <a:bodyPr/>
+          <a:lstStyle/>
+          <a:p>
+            <a:fld id="{20446B5E-B829-254A-8AFB-AC4889342269}" type="slidenum">
+              <a:rPr lang="en-US" smtClean="0"/>
+              <a:t>2</a:t>
+            </a:fld>
+            <a:endParaRPr lang="en-US"/>
+          </a:p>
+        </p:txBody>
+      </p:sp>
+    </p:spTree>
+    <p:extLst>
+      <p:ext uri="{BB962C8B-B14F-4D97-AF65-F5344CB8AC3E}">
+        <p14:creationId xmlns:p14="http://schemas.microsoft.com/office/powerpoint/2010/main" val="1533937918"/>
       </p:ext>
     </p:extLst>
   </p:cSld>
@@ -11028,6 +11118,5285 @@
 </p:sld>
 </file>
 
+<file path=ppt/slides/slide2.xml><?xml version="1.0" encoding="utf-8"?>
+<p:sld xmlns:a="http://schemas.openxmlformats.org/drawingml/2006/main" xmlns:r="http://schemas.openxmlformats.org/officeDocument/2006/relationships" xmlns:p="http://schemas.openxmlformats.org/presentationml/2006/main">
+  <p:cSld>
+    <p:spTree>
+      <p:nvGrpSpPr>
+        <p:cNvPr id="1" name=""/>
+        <p:cNvGrpSpPr/>
+        <p:nvPr/>
+      </p:nvGrpSpPr>
+      <p:grpSpPr>
+        <a:xfrm>
+          <a:off x="0" y="0"/>
+          <a:ext cx="0" cy="0"/>
+          <a:chOff x="0" y="0"/>
+          <a:chExt cx="0" cy="0"/>
+        </a:xfrm>
+      </p:grpSpPr>
+      <p:grpSp>
+        <p:nvGrpSpPr>
+          <p:cNvPr id="250" name="Group 249"/>
+          <p:cNvGrpSpPr/>
+          <p:nvPr/>
+        </p:nvGrpSpPr>
+        <p:grpSpPr>
+          <a:xfrm>
+            <a:off x="416119" y="3161409"/>
+            <a:ext cx="7689462" cy="2034017"/>
+            <a:chOff x="454519" y="3232846"/>
+            <a:chExt cx="7689462" cy="2034017"/>
+          </a:xfrm>
+        </p:grpSpPr>
+        <p:pic>
+          <p:nvPicPr>
+            <p:cNvPr id="252" name="Picture 251"/>
+            <p:cNvPicPr>
+              <a:picLocks noChangeAspect="1"/>
+            </p:cNvPicPr>
+            <p:nvPr/>
+          </p:nvPicPr>
+          <p:blipFill rotWithShape="1">
+            <a:blip r:embed="rId3" cstate="print">
+              <a:extLst>
+                <a:ext uri="{28A0092B-C50C-407E-A947-70E740481C1C}">
+                  <a14:useLocalDpi xmlns:a14="http://schemas.microsoft.com/office/drawing/2010/main" val="0"/>
+                </a:ext>
+              </a:extLst>
+            </a:blip>
+            <a:srcRect l="5407" t="34263" b="13685"/>
+            <a:stretch/>
+          </p:blipFill>
+          <p:spPr>
+            <a:xfrm>
+              <a:off x="454519" y="3232846"/>
+              <a:ext cx="7689462" cy="1665868"/>
+            </a:xfrm>
+            <a:prstGeom prst="rect">
+              <a:avLst/>
+            </a:prstGeom>
+          </p:spPr>
+        </p:pic>
+        <p:sp>
+          <p:nvSpPr>
+            <p:cNvPr id="253" name="TextBox 252"/>
+            <p:cNvSpPr txBox="1"/>
+            <p:nvPr/>
+          </p:nvSpPr>
+          <p:spPr>
+            <a:xfrm>
+              <a:off x="805217" y="3525178"/>
+              <a:ext cx="559559" cy="369332"/>
+            </a:xfrm>
+            <a:prstGeom prst="rect">
+              <a:avLst/>
+            </a:prstGeom>
+            <a:noFill/>
+          </p:spPr>
+          <p:txBody>
+            <a:bodyPr wrap="square" rtlCol="0">
+              <a:spAutoFit/>
+            </a:bodyPr>
+            <a:lstStyle/>
+            <a:p>
+              <a:r>
+                <a:rPr lang="en-US" dirty="0"/>
+                <a:t>A'</a:t>
+              </a:r>
+            </a:p>
+          </p:txBody>
+        </p:sp>
+        <p:sp>
+          <p:nvSpPr>
+            <p:cNvPr id="254" name="TextBox 253"/>
+            <p:cNvSpPr txBox="1"/>
+            <p:nvPr/>
+          </p:nvSpPr>
+          <p:spPr>
+            <a:xfrm>
+              <a:off x="1707875" y="3525178"/>
+              <a:ext cx="559559" cy="369332"/>
+            </a:xfrm>
+            <a:prstGeom prst="rect">
+              <a:avLst/>
+            </a:prstGeom>
+            <a:noFill/>
+          </p:spPr>
+          <p:txBody>
+            <a:bodyPr wrap="square" rtlCol="0">
+              <a:spAutoFit/>
+            </a:bodyPr>
+            <a:lstStyle/>
+            <a:p>
+              <a:r>
+                <a:rPr lang="en-US" dirty="0"/>
+                <a:t>A</a:t>
+              </a:r>
+            </a:p>
+          </p:txBody>
+        </p:sp>
+        <p:sp>
+          <p:nvSpPr>
+            <p:cNvPr id="255" name="TextBox 254"/>
+            <p:cNvSpPr txBox="1"/>
+            <p:nvPr/>
+          </p:nvSpPr>
+          <p:spPr>
+            <a:xfrm>
+              <a:off x="2647851" y="3525178"/>
+              <a:ext cx="559559" cy="369332"/>
+            </a:xfrm>
+            <a:prstGeom prst="rect">
+              <a:avLst/>
+            </a:prstGeom>
+            <a:noFill/>
+          </p:spPr>
+          <p:txBody>
+            <a:bodyPr wrap="square" rtlCol="0">
+              <a:spAutoFit/>
+            </a:bodyPr>
+            <a:lstStyle/>
+            <a:p>
+              <a:r>
+                <a:rPr lang="en-US" dirty="0"/>
+                <a:t>A'</a:t>
+              </a:r>
+            </a:p>
+          </p:txBody>
+        </p:sp>
+        <p:sp>
+          <p:nvSpPr>
+            <p:cNvPr id="256" name="TextBox 255"/>
+            <p:cNvSpPr txBox="1"/>
+            <p:nvPr/>
+          </p:nvSpPr>
+          <p:spPr>
+            <a:xfrm>
+              <a:off x="3536861" y="3525178"/>
+              <a:ext cx="559559" cy="369332"/>
+            </a:xfrm>
+            <a:prstGeom prst="rect">
+              <a:avLst/>
+            </a:prstGeom>
+            <a:noFill/>
+          </p:spPr>
+          <p:txBody>
+            <a:bodyPr wrap="square" rtlCol="0">
+              <a:spAutoFit/>
+            </a:bodyPr>
+            <a:lstStyle/>
+            <a:p>
+              <a:r>
+                <a:rPr lang="en-US" dirty="0"/>
+                <a:t>A</a:t>
+              </a:r>
+            </a:p>
+          </p:txBody>
+        </p:sp>
+        <p:sp>
+          <p:nvSpPr>
+            <p:cNvPr id="257" name="TextBox 256"/>
+            <p:cNvSpPr txBox="1"/>
+            <p:nvPr/>
+          </p:nvSpPr>
+          <p:spPr>
+            <a:xfrm>
+              <a:off x="805217" y="4407266"/>
+              <a:ext cx="559559" cy="369332"/>
+            </a:xfrm>
+            <a:prstGeom prst="rect">
+              <a:avLst/>
+            </a:prstGeom>
+            <a:noFill/>
+          </p:spPr>
+          <p:txBody>
+            <a:bodyPr wrap="square" rtlCol="0">
+              <a:spAutoFit/>
+            </a:bodyPr>
+            <a:lstStyle/>
+            <a:p>
+              <a:r>
+                <a:rPr lang="en-US" dirty="0"/>
+                <a:t>A</a:t>
+              </a:r>
+            </a:p>
+          </p:txBody>
+        </p:sp>
+        <p:sp>
+          <p:nvSpPr>
+            <p:cNvPr id="258" name="TextBox 257"/>
+            <p:cNvSpPr txBox="1"/>
+            <p:nvPr/>
+          </p:nvSpPr>
+          <p:spPr>
+            <a:xfrm>
+              <a:off x="3536861" y="4407266"/>
+              <a:ext cx="559559" cy="369332"/>
+            </a:xfrm>
+            <a:prstGeom prst="rect">
+              <a:avLst/>
+            </a:prstGeom>
+            <a:noFill/>
+          </p:spPr>
+          <p:txBody>
+            <a:bodyPr wrap="square" rtlCol="0">
+              <a:spAutoFit/>
+            </a:bodyPr>
+            <a:lstStyle/>
+            <a:p>
+              <a:r>
+                <a:rPr lang="en-US" dirty="0"/>
+                <a:t>A'</a:t>
+              </a:r>
+            </a:p>
+          </p:txBody>
+        </p:sp>
+        <p:sp>
+          <p:nvSpPr>
+            <p:cNvPr id="259" name="TextBox 258"/>
+            <p:cNvSpPr txBox="1"/>
+            <p:nvPr/>
+          </p:nvSpPr>
+          <p:spPr>
+            <a:xfrm>
+              <a:off x="5088119" y="3299149"/>
+              <a:ext cx="559559" cy="369332"/>
+            </a:xfrm>
+            <a:prstGeom prst="rect">
+              <a:avLst/>
+            </a:prstGeom>
+            <a:noFill/>
+          </p:spPr>
+          <p:txBody>
+            <a:bodyPr wrap="square" rtlCol="0">
+              <a:spAutoFit/>
+            </a:bodyPr>
+            <a:lstStyle/>
+            <a:p>
+              <a:r>
+                <a:rPr lang="en-US" dirty="0"/>
+                <a:t>A'</a:t>
+              </a:r>
+            </a:p>
+          </p:txBody>
+        </p:sp>
+        <p:sp>
+          <p:nvSpPr>
+            <p:cNvPr id="260" name="TextBox 259"/>
+            <p:cNvSpPr txBox="1"/>
+            <p:nvPr/>
+          </p:nvSpPr>
+          <p:spPr>
+            <a:xfrm>
+              <a:off x="5999527" y="3299149"/>
+              <a:ext cx="559559" cy="369332"/>
+            </a:xfrm>
+            <a:prstGeom prst="rect">
+              <a:avLst/>
+            </a:prstGeom>
+            <a:noFill/>
+          </p:spPr>
+          <p:txBody>
+            <a:bodyPr wrap="square" rtlCol="0">
+              <a:spAutoFit/>
+            </a:bodyPr>
+            <a:lstStyle/>
+            <a:p>
+              <a:r>
+                <a:rPr lang="en-US" dirty="0"/>
+                <a:t>A</a:t>
+              </a:r>
+            </a:p>
+          </p:txBody>
+        </p:sp>
+        <p:sp>
+          <p:nvSpPr>
+            <p:cNvPr id="261" name="TextBox 260"/>
+            <p:cNvSpPr txBox="1"/>
+            <p:nvPr/>
+          </p:nvSpPr>
+          <p:spPr>
+            <a:xfrm>
+              <a:off x="6910935" y="3299149"/>
+              <a:ext cx="559559" cy="369332"/>
+            </a:xfrm>
+            <a:prstGeom prst="rect">
+              <a:avLst/>
+            </a:prstGeom>
+            <a:noFill/>
+          </p:spPr>
+          <p:txBody>
+            <a:bodyPr wrap="square" rtlCol="0">
+              <a:spAutoFit/>
+            </a:bodyPr>
+            <a:lstStyle/>
+            <a:p>
+              <a:r>
+                <a:rPr lang="en-US" dirty="0"/>
+                <a:t>A'</a:t>
+              </a:r>
+            </a:p>
+          </p:txBody>
+        </p:sp>
+        <p:sp>
+          <p:nvSpPr>
+            <p:cNvPr id="262" name="TextBox 261"/>
+            <p:cNvSpPr txBox="1"/>
+            <p:nvPr/>
+          </p:nvSpPr>
+          <p:spPr>
+            <a:xfrm>
+              <a:off x="5543823" y="3525177"/>
+              <a:ext cx="559559" cy="369332"/>
+            </a:xfrm>
+            <a:prstGeom prst="rect">
+              <a:avLst/>
+            </a:prstGeom>
+            <a:noFill/>
+          </p:spPr>
+          <p:txBody>
+            <a:bodyPr wrap="square" rtlCol="0">
+              <a:spAutoFit/>
+            </a:bodyPr>
+            <a:lstStyle/>
+            <a:p>
+              <a:r>
+                <a:rPr lang="en-US" dirty="0" smtClean="0">
+                  <a:solidFill>
+                    <a:srgbClr val="FF0000"/>
+                  </a:solidFill>
+                </a:rPr>
+                <a:t>E</a:t>
+              </a:r>
+              <a:endParaRPr lang="en-US" dirty="0">
+                <a:solidFill>
+                  <a:srgbClr val="FF0000"/>
+                </a:solidFill>
+              </a:endParaRPr>
+            </a:p>
+          </p:txBody>
+        </p:sp>
+        <p:sp>
+          <p:nvSpPr>
+            <p:cNvPr id="263" name="TextBox 262"/>
+            <p:cNvSpPr txBox="1"/>
+            <p:nvPr/>
+          </p:nvSpPr>
+          <p:spPr>
+            <a:xfrm>
+              <a:off x="6455231" y="3525177"/>
+              <a:ext cx="559559" cy="369332"/>
+            </a:xfrm>
+            <a:prstGeom prst="rect">
+              <a:avLst/>
+            </a:prstGeom>
+            <a:noFill/>
+          </p:spPr>
+          <p:txBody>
+            <a:bodyPr wrap="square" rtlCol="0">
+              <a:spAutoFit/>
+            </a:bodyPr>
+            <a:lstStyle/>
+            <a:p>
+              <a:r>
+                <a:rPr lang="en-US" dirty="0" smtClean="0">
+                  <a:solidFill>
+                    <a:srgbClr val="FF0000"/>
+                  </a:solidFill>
+                </a:rPr>
+                <a:t>D'</a:t>
+              </a:r>
+              <a:endParaRPr lang="en-US" dirty="0">
+                <a:solidFill>
+                  <a:srgbClr val="FF0000"/>
+                </a:solidFill>
+              </a:endParaRPr>
+            </a:p>
+          </p:txBody>
+        </p:sp>
+        <p:sp>
+          <p:nvSpPr>
+            <p:cNvPr id="264" name="TextBox 263"/>
+            <p:cNvSpPr txBox="1"/>
+            <p:nvPr/>
+          </p:nvSpPr>
+          <p:spPr>
+            <a:xfrm>
+              <a:off x="7366639" y="3525177"/>
+              <a:ext cx="559559" cy="369332"/>
+            </a:xfrm>
+            <a:prstGeom prst="rect">
+              <a:avLst/>
+            </a:prstGeom>
+            <a:noFill/>
+          </p:spPr>
+          <p:txBody>
+            <a:bodyPr wrap="square" rtlCol="0">
+              <a:spAutoFit/>
+            </a:bodyPr>
+            <a:lstStyle/>
+            <a:p>
+              <a:r>
+                <a:rPr lang="en-US" dirty="0" smtClean="0">
+                  <a:solidFill>
+                    <a:srgbClr val="FF0000"/>
+                  </a:solidFill>
+                </a:rPr>
+                <a:t>D</a:t>
+              </a:r>
+              <a:endParaRPr lang="en-US" dirty="0">
+                <a:solidFill>
+                  <a:srgbClr val="FF0000"/>
+                </a:solidFill>
+              </a:endParaRPr>
+            </a:p>
+          </p:txBody>
+        </p:sp>
+        <p:sp>
+          <p:nvSpPr>
+            <p:cNvPr id="265" name="TextBox 264"/>
+            <p:cNvSpPr txBox="1"/>
+            <p:nvPr/>
+          </p:nvSpPr>
+          <p:spPr>
+            <a:xfrm>
+              <a:off x="4632415" y="3525177"/>
+              <a:ext cx="559559" cy="369332"/>
+            </a:xfrm>
+            <a:prstGeom prst="rect">
+              <a:avLst/>
+            </a:prstGeom>
+            <a:noFill/>
+          </p:spPr>
+          <p:txBody>
+            <a:bodyPr wrap="square" rtlCol="0">
+              <a:spAutoFit/>
+            </a:bodyPr>
+            <a:lstStyle/>
+            <a:p>
+              <a:r>
+                <a:rPr lang="en-US" dirty="0" smtClean="0">
+                  <a:solidFill>
+                    <a:srgbClr val="FF0000"/>
+                  </a:solidFill>
+                </a:rPr>
+                <a:t>E'</a:t>
+              </a:r>
+              <a:endParaRPr lang="en-US" dirty="0">
+                <a:solidFill>
+                  <a:srgbClr val="FF0000"/>
+                </a:solidFill>
+              </a:endParaRPr>
+            </a:p>
+          </p:txBody>
+        </p:sp>
+        <p:sp>
+          <p:nvSpPr>
+            <p:cNvPr id="266" name="TextBox 265"/>
+            <p:cNvSpPr txBox="1"/>
+            <p:nvPr/>
+          </p:nvSpPr>
+          <p:spPr>
+            <a:xfrm>
+              <a:off x="5089251" y="4181237"/>
+              <a:ext cx="559559" cy="369332"/>
+            </a:xfrm>
+            <a:prstGeom prst="rect">
+              <a:avLst/>
+            </a:prstGeom>
+            <a:noFill/>
+          </p:spPr>
+          <p:txBody>
+            <a:bodyPr wrap="square" rtlCol="0">
+              <a:spAutoFit/>
+            </a:bodyPr>
+            <a:lstStyle/>
+            <a:p>
+              <a:r>
+                <a:rPr lang="en-US" dirty="0"/>
+                <a:t>A'</a:t>
+              </a:r>
+            </a:p>
+          </p:txBody>
+        </p:sp>
+        <p:sp>
+          <p:nvSpPr>
+            <p:cNvPr id="267" name="TextBox 266"/>
+            <p:cNvSpPr txBox="1"/>
+            <p:nvPr/>
+          </p:nvSpPr>
+          <p:spPr>
+            <a:xfrm>
+              <a:off x="6000659" y="4181237"/>
+              <a:ext cx="559559" cy="369332"/>
+            </a:xfrm>
+            <a:prstGeom prst="rect">
+              <a:avLst/>
+            </a:prstGeom>
+            <a:noFill/>
+          </p:spPr>
+          <p:txBody>
+            <a:bodyPr wrap="square" rtlCol="0">
+              <a:spAutoFit/>
+            </a:bodyPr>
+            <a:lstStyle/>
+            <a:p>
+              <a:r>
+                <a:rPr lang="en-US" dirty="0"/>
+                <a:t>A</a:t>
+              </a:r>
+            </a:p>
+          </p:txBody>
+        </p:sp>
+        <p:sp>
+          <p:nvSpPr>
+            <p:cNvPr id="268" name="TextBox 267"/>
+            <p:cNvSpPr txBox="1"/>
+            <p:nvPr/>
+          </p:nvSpPr>
+          <p:spPr>
+            <a:xfrm>
+              <a:off x="6912067" y="4181237"/>
+              <a:ext cx="559559" cy="369332"/>
+            </a:xfrm>
+            <a:prstGeom prst="rect">
+              <a:avLst/>
+            </a:prstGeom>
+            <a:noFill/>
+          </p:spPr>
+          <p:txBody>
+            <a:bodyPr wrap="square" rtlCol="0">
+              <a:spAutoFit/>
+            </a:bodyPr>
+            <a:lstStyle/>
+            <a:p>
+              <a:r>
+                <a:rPr lang="en-US" dirty="0"/>
+                <a:t>A'</a:t>
+              </a:r>
+            </a:p>
+          </p:txBody>
+        </p:sp>
+        <p:sp>
+          <p:nvSpPr>
+            <p:cNvPr id="269" name="TextBox 268"/>
+            <p:cNvSpPr txBox="1"/>
+            <p:nvPr/>
+          </p:nvSpPr>
+          <p:spPr>
+            <a:xfrm>
+              <a:off x="5544955" y="4407265"/>
+              <a:ext cx="559559" cy="369332"/>
+            </a:xfrm>
+            <a:prstGeom prst="rect">
+              <a:avLst/>
+            </a:prstGeom>
+            <a:noFill/>
+          </p:spPr>
+          <p:txBody>
+            <a:bodyPr wrap="square" rtlCol="0">
+              <a:spAutoFit/>
+            </a:bodyPr>
+            <a:lstStyle/>
+            <a:p>
+              <a:r>
+                <a:rPr lang="en-US" dirty="0">
+                  <a:solidFill>
+                    <a:srgbClr val="FF0000"/>
+                  </a:solidFill>
+                </a:rPr>
+                <a:t>C</a:t>
+              </a:r>
+            </a:p>
+          </p:txBody>
+        </p:sp>
+        <p:sp>
+          <p:nvSpPr>
+            <p:cNvPr id="270" name="TextBox 269"/>
+            <p:cNvSpPr txBox="1"/>
+            <p:nvPr/>
+          </p:nvSpPr>
+          <p:spPr>
+            <a:xfrm>
+              <a:off x="6456363" y="4407265"/>
+              <a:ext cx="559559" cy="369332"/>
+            </a:xfrm>
+            <a:prstGeom prst="rect">
+              <a:avLst/>
+            </a:prstGeom>
+            <a:noFill/>
+          </p:spPr>
+          <p:txBody>
+            <a:bodyPr wrap="square" rtlCol="0">
+              <a:spAutoFit/>
+            </a:bodyPr>
+            <a:lstStyle/>
+            <a:p>
+              <a:r>
+                <a:rPr lang="en-US" dirty="0">
+                  <a:solidFill>
+                    <a:srgbClr val="FF0000"/>
+                  </a:solidFill>
+                </a:rPr>
+                <a:t>C</a:t>
+              </a:r>
+            </a:p>
+          </p:txBody>
+        </p:sp>
+        <p:sp>
+          <p:nvSpPr>
+            <p:cNvPr id="271" name="TextBox 270"/>
+            <p:cNvSpPr txBox="1"/>
+            <p:nvPr/>
+          </p:nvSpPr>
+          <p:spPr>
+            <a:xfrm>
+              <a:off x="7367771" y="4407265"/>
+              <a:ext cx="559559" cy="369332"/>
+            </a:xfrm>
+            <a:prstGeom prst="rect">
+              <a:avLst/>
+            </a:prstGeom>
+            <a:noFill/>
+          </p:spPr>
+          <p:txBody>
+            <a:bodyPr wrap="square" rtlCol="0">
+              <a:spAutoFit/>
+            </a:bodyPr>
+            <a:lstStyle/>
+            <a:p>
+              <a:r>
+                <a:rPr lang="en-US" dirty="0">
+                  <a:solidFill>
+                    <a:srgbClr val="FF0000"/>
+                  </a:solidFill>
+                </a:rPr>
+                <a:t>C</a:t>
+              </a:r>
+            </a:p>
+          </p:txBody>
+        </p:sp>
+        <p:sp>
+          <p:nvSpPr>
+            <p:cNvPr id="272" name="TextBox 271"/>
+            <p:cNvSpPr txBox="1"/>
+            <p:nvPr/>
+          </p:nvSpPr>
+          <p:spPr>
+            <a:xfrm>
+              <a:off x="4633547" y="4407265"/>
+              <a:ext cx="559559" cy="369332"/>
+            </a:xfrm>
+            <a:prstGeom prst="rect">
+              <a:avLst/>
+            </a:prstGeom>
+            <a:noFill/>
+          </p:spPr>
+          <p:txBody>
+            <a:bodyPr wrap="square" rtlCol="0">
+              <a:spAutoFit/>
+            </a:bodyPr>
+            <a:lstStyle/>
+            <a:p>
+              <a:r>
+                <a:rPr lang="en-US" dirty="0">
+                  <a:solidFill>
+                    <a:srgbClr val="FF0000"/>
+                  </a:solidFill>
+                </a:rPr>
+                <a:t>C</a:t>
+              </a:r>
+            </a:p>
+          </p:txBody>
+        </p:sp>
+        <p:sp>
+          <p:nvSpPr>
+            <p:cNvPr id="274" name="TextBox 273"/>
+            <p:cNvSpPr txBox="1"/>
+            <p:nvPr/>
+          </p:nvSpPr>
+          <p:spPr>
+            <a:xfrm>
+              <a:off x="1787835" y="4974475"/>
+              <a:ext cx="1787703" cy="292388"/>
+            </a:xfrm>
+            <a:prstGeom prst="rect">
+              <a:avLst/>
+            </a:prstGeom>
+            <a:noFill/>
+          </p:spPr>
+          <p:txBody>
+            <a:bodyPr wrap="square" rtlCol="0">
+              <a:spAutoFit/>
+            </a:bodyPr>
+            <a:lstStyle/>
+            <a:p>
+              <a:r>
+                <a:rPr lang="en-US" sz="1300" dirty="0"/>
+                <a:t>Distance (mm)</a:t>
+              </a:r>
+            </a:p>
+          </p:txBody>
+        </p:sp>
+      </p:grpSp>
+      <p:grpSp>
+        <p:nvGrpSpPr>
+          <p:cNvPr id="321" name="Group 320"/>
+          <p:cNvGrpSpPr/>
+          <p:nvPr/>
+        </p:nvGrpSpPr>
+        <p:grpSpPr>
+          <a:xfrm>
+            <a:off x="4220018" y="-34517"/>
+            <a:ext cx="3712742" cy="1522165"/>
+            <a:chOff x="4258418" y="36920"/>
+            <a:chExt cx="3712742" cy="1522165"/>
+          </a:xfrm>
+        </p:grpSpPr>
+        <p:pic>
+          <p:nvPicPr>
+            <p:cNvPr id="322" name="Picture 321"/>
+            <p:cNvPicPr>
+              <a:picLocks noChangeAspect="1"/>
+            </p:cNvPicPr>
+            <p:nvPr/>
+          </p:nvPicPr>
+          <p:blipFill>
+            <a:blip r:embed="rId4">
+              <a:extLst>
+                <a:ext uri="{28A0092B-C50C-407E-A947-70E740481C1C}">
+                  <a14:useLocalDpi xmlns:a14="http://schemas.microsoft.com/office/drawing/2010/main" val="0"/>
+                </a:ext>
+              </a:extLst>
+            </a:blip>
+            <a:stretch>
+              <a:fillRect/>
+            </a:stretch>
+          </p:blipFill>
+          <p:spPr>
+            <a:xfrm>
+              <a:off x="4313560" y="122442"/>
+              <a:ext cx="3657600" cy="1371600"/>
+            </a:xfrm>
+            <a:prstGeom prst="rect">
+              <a:avLst/>
+            </a:prstGeom>
+            <a:ln w="28575">
+              <a:solidFill>
+                <a:schemeClr val="tx1"/>
+              </a:solidFill>
+            </a:ln>
+          </p:spPr>
+        </p:pic>
+        <p:sp>
+          <p:nvSpPr>
+            <p:cNvPr id="323" name="TextBox 322"/>
+            <p:cNvSpPr txBox="1"/>
+            <p:nvPr/>
+          </p:nvSpPr>
+          <p:spPr>
+            <a:xfrm>
+              <a:off x="4608682" y="36920"/>
+              <a:ext cx="502920" cy="461665"/>
+            </a:xfrm>
+            <a:prstGeom prst="rect">
+              <a:avLst/>
+            </a:prstGeom>
+            <a:noFill/>
+          </p:spPr>
+          <p:txBody>
+            <a:bodyPr wrap="square" rtlCol="0">
+              <a:spAutoFit/>
+            </a:bodyPr>
+            <a:lstStyle/>
+            <a:p>
+              <a:r>
+                <a:rPr lang="en-US" sz="2400" dirty="0">
+                  <a:solidFill>
+                    <a:schemeClr val="bg1"/>
+                  </a:solidFill>
+                </a:rPr>
+                <a:t>+</a:t>
+              </a:r>
+            </a:p>
+          </p:txBody>
+        </p:sp>
+        <p:sp>
+          <p:nvSpPr>
+            <p:cNvPr id="324" name="TextBox 323"/>
+            <p:cNvSpPr txBox="1"/>
+            <p:nvPr/>
+          </p:nvSpPr>
+          <p:spPr>
+            <a:xfrm>
+              <a:off x="6429639" y="36920"/>
+              <a:ext cx="502920" cy="461665"/>
+            </a:xfrm>
+            <a:prstGeom prst="rect">
+              <a:avLst/>
+            </a:prstGeom>
+            <a:noFill/>
+          </p:spPr>
+          <p:txBody>
+            <a:bodyPr wrap="square" rtlCol="0">
+              <a:spAutoFit/>
+            </a:bodyPr>
+            <a:lstStyle/>
+            <a:p>
+              <a:r>
+                <a:rPr lang="en-US" sz="2400" dirty="0">
+                  <a:solidFill>
+                    <a:schemeClr val="bg1"/>
+                  </a:solidFill>
+                </a:rPr>
+                <a:t>+</a:t>
+              </a:r>
+            </a:p>
+          </p:txBody>
+        </p:sp>
+        <p:sp>
+          <p:nvSpPr>
+            <p:cNvPr id="325" name="TextBox 324"/>
+            <p:cNvSpPr txBox="1"/>
+            <p:nvPr/>
+          </p:nvSpPr>
+          <p:spPr>
+            <a:xfrm>
+              <a:off x="4608682" y="1097420"/>
+              <a:ext cx="502920" cy="461665"/>
+            </a:xfrm>
+            <a:prstGeom prst="rect">
+              <a:avLst/>
+            </a:prstGeom>
+            <a:noFill/>
+          </p:spPr>
+          <p:txBody>
+            <a:bodyPr wrap="square" rtlCol="0">
+              <a:spAutoFit/>
+            </a:bodyPr>
+            <a:lstStyle/>
+            <a:p>
+              <a:r>
+                <a:rPr lang="en-US" sz="2400" dirty="0">
+                  <a:solidFill>
+                    <a:schemeClr val="bg1"/>
+                  </a:solidFill>
+                </a:rPr>
+                <a:t>+</a:t>
+              </a:r>
+            </a:p>
+          </p:txBody>
+        </p:sp>
+        <p:sp>
+          <p:nvSpPr>
+            <p:cNvPr id="326" name="TextBox 325"/>
+            <p:cNvSpPr txBox="1"/>
+            <p:nvPr/>
+          </p:nvSpPr>
+          <p:spPr>
+            <a:xfrm>
+              <a:off x="6429639" y="1097420"/>
+              <a:ext cx="502920" cy="461665"/>
+            </a:xfrm>
+            <a:prstGeom prst="rect">
+              <a:avLst/>
+            </a:prstGeom>
+            <a:noFill/>
+          </p:spPr>
+          <p:txBody>
+            <a:bodyPr wrap="square" rtlCol="0">
+              <a:spAutoFit/>
+            </a:bodyPr>
+            <a:lstStyle/>
+            <a:p>
+              <a:r>
+                <a:rPr lang="en-US" sz="2400" dirty="0">
+                  <a:solidFill>
+                    <a:schemeClr val="bg1"/>
+                  </a:solidFill>
+                </a:rPr>
+                <a:t>+</a:t>
+              </a:r>
+            </a:p>
+          </p:txBody>
+        </p:sp>
+        <p:grpSp>
+          <p:nvGrpSpPr>
+            <p:cNvPr id="327" name="Group 326"/>
+            <p:cNvGrpSpPr/>
+            <p:nvPr/>
+          </p:nvGrpSpPr>
+          <p:grpSpPr>
+            <a:xfrm>
+              <a:off x="7407932" y="1287771"/>
+              <a:ext cx="197575" cy="80962"/>
+              <a:chOff x="3371850" y="2904422"/>
+              <a:chExt cx="197575" cy="80962"/>
+            </a:xfrm>
+          </p:grpSpPr>
+          <p:cxnSp>
+            <p:nvCxnSpPr>
+              <p:cNvPr id="341" name="Straight Connector 340"/>
+              <p:cNvCxnSpPr/>
+              <p:nvPr/>
+            </p:nvCxnSpPr>
+            <p:spPr>
+              <a:xfrm>
+                <a:off x="3371850" y="2904422"/>
+                <a:ext cx="197575" cy="0"/>
+              </a:xfrm>
+              <a:prstGeom prst="line">
+                <a:avLst/>
+              </a:prstGeom>
+              <a:ln w="22225">
+                <a:solidFill>
+                  <a:schemeClr val="bg1"/>
+                </a:solidFill>
+              </a:ln>
+            </p:spPr>
+            <p:style>
+              <a:lnRef idx="1">
+                <a:schemeClr val="accent1"/>
+              </a:lnRef>
+              <a:fillRef idx="0">
+                <a:schemeClr val="accent1"/>
+              </a:fillRef>
+              <a:effectRef idx="0">
+                <a:schemeClr val="accent1"/>
+              </a:effectRef>
+              <a:fontRef idx="minor">
+                <a:schemeClr val="tx1"/>
+              </a:fontRef>
+            </p:style>
+          </p:cxnSp>
+          <p:cxnSp>
+            <p:nvCxnSpPr>
+              <p:cNvPr id="342" name="Straight Connector 341"/>
+              <p:cNvCxnSpPr/>
+              <p:nvPr/>
+            </p:nvCxnSpPr>
+            <p:spPr>
+              <a:xfrm>
+                <a:off x="3397485" y="2944903"/>
+                <a:ext cx="146304" cy="0"/>
+              </a:xfrm>
+              <a:prstGeom prst="line">
+                <a:avLst/>
+              </a:prstGeom>
+              <a:ln w="22225">
+                <a:solidFill>
+                  <a:schemeClr val="bg1"/>
+                </a:solidFill>
+              </a:ln>
+            </p:spPr>
+            <p:style>
+              <a:lnRef idx="1">
+                <a:schemeClr val="accent1"/>
+              </a:lnRef>
+              <a:fillRef idx="0">
+                <a:schemeClr val="accent1"/>
+              </a:fillRef>
+              <a:effectRef idx="0">
+                <a:schemeClr val="accent1"/>
+              </a:effectRef>
+              <a:fontRef idx="minor">
+                <a:schemeClr val="tx1"/>
+              </a:fontRef>
+            </p:style>
+          </p:cxnSp>
+          <p:cxnSp>
+            <p:nvCxnSpPr>
+              <p:cNvPr id="343" name="Straight Connector 342"/>
+              <p:cNvCxnSpPr/>
+              <p:nvPr/>
+            </p:nvCxnSpPr>
+            <p:spPr>
+              <a:xfrm>
+                <a:off x="3424917" y="2985384"/>
+                <a:ext cx="91440" cy="0"/>
+              </a:xfrm>
+              <a:prstGeom prst="line">
+                <a:avLst/>
+              </a:prstGeom>
+              <a:ln w="22225">
+                <a:solidFill>
+                  <a:schemeClr val="bg1"/>
+                </a:solidFill>
+              </a:ln>
+            </p:spPr>
+            <p:style>
+              <a:lnRef idx="1">
+                <a:schemeClr val="accent1"/>
+              </a:lnRef>
+              <a:fillRef idx="0">
+                <a:schemeClr val="accent1"/>
+              </a:fillRef>
+              <a:effectRef idx="0">
+                <a:schemeClr val="accent1"/>
+              </a:effectRef>
+              <a:fontRef idx="minor">
+                <a:schemeClr val="tx1"/>
+              </a:fontRef>
+            </p:style>
+          </p:cxnSp>
+        </p:grpSp>
+        <p:grpSp>
+          <p:nvGrpSpPr>
+            <p:cNvPr id="328" name="Group 327"/>
+            <p:cNvGrpSpPr/>
+            <p:nvPr/>
+          </p:nvGrpSpPr>
+          <p:grpSpPr>
+            <a:xfrm>
+              <a:off x="5580872" y="1287771"/>
+              <a:ext cx="197575" cy="80962"/>
+              <a:chOff x="3371850" y="2904422"/>
+              <a:chExt cx="197575" cy="80962"/>
+            </a:xfrm>
+          </p:grpSpPr>
+          <p:cxnSp>
+            <p:nvCxnSpPr>
+              <p:cNvPr id="338" name="Straight Connector 337"/>
+              <p:cNvCxnSpPr/>
+              <p:nvPr/>
+            </p:nvCxnSpPr>
+            <p:spPr>
+              <a:xfrm>
+                <a:off x="3371850" y="2904422"/>
+                <a:ext cx="197575" cy="0"/>
+              </a:xfrm>
+              <a:prstGeom prst="line">
+                <a:avLst/>
+              </a:prstGeom>
+              <a:ln w="22225">
+                <a:solidFill>
+                  <a:schemeClr val="bg1"/>
+                </a:solidFill>
+              </a:ln>
+            </p:spPr>
+            <p:style>
+              <a:lnRef idx="1">
+                <a:schemeClr val="accent1"/>
+              </a:lnRef>
+              <a:fillRef idx="0">
+                <a:schemeClr val="accent1"/>
+              </a:fillRef>
+              <a:effectRef idx="0">
+                <a:schemeClr val="accent1"/>
+              </a:effectRef>
+              <a:fontRef idx="minor">
+                <a:schemeClr val="tx1"/>
+              </a:fontRef>
+            </p:style>
+          </p:cxnSp>
+          <p:cxnSp>
+            <p:nvCxnSpPr>
+              <p:cNvPr id="339" name="Straight Connector 338"/>
+              <p:cNvCxnSpPr/>
+              <p:nvPr/>
+            </p:nvCxnSpPr>
+            <p:spPr>
+              <a:xfrm>
+                <a:off x="3397485" y="2944903"/>
+                <a:ext cx="146304" cy="0"/>
+              </a:xfrm>
+              <a:prstGeom prst="line">
+                <a:avLst/>
+              </a:prstGeom>
+              <a:ln w="22225">
+                <a:solidFill>
+                  <a:schemeClr val="bg1"/>
+                </a:solidFill>
+              </a:ln>
+            </p:spPr>
+            <p:style>
+              <a:lnRef idx="1">
+                <a:schemeClr val="accent1"/>
+              </a:lnRef>
+              <a:fillRef idx="0">
+                <a:schemeClr val="accent1"/>
+              </a:fillRef>
+              <a:effectRef idx="0">
+                <a:schemeClr val="accent1"/>
+              </a:effectRef>
+              <a:fontRef idx="minor">
+                <a:schemeClr val="tx1"/>
+              </a:fontRef>
+            </p:style>
+          </p:cxnSp>
+          <p:cxnSp>
+            <p:nvCxnSpPr>
+              <p:cNvPr id="340" name="Straight Connector 339"/>
+              <p:cNvCxnSpPr/>
+              <p:nvPr/>
+            </p:nvCxnSpPr>
+            <p:spPr>
+              <a:xfrm>
+                <a:off x="3424917" y="2985384"/>
+                <a:ext cx="91440" cy="0"/>
+              </a:xfrm>
+              <a:prstGeom prst="line">
+                <a:avLst/>
+              </a:prstGeom>
+              <a:ln w="22225">
+                <a:solidFill>
+                  <a:schemeClr val="bg1"/>
+                </a:solidFill>
+              </a:ln>
+            </p:spPr>
+            <p:style>
+              <a:lnRef idx="1">
+                <a:schemeClr val="accent1"/>
+              </a:lnRef>
+              <a:fillRef idx="0">
+                <a:schemeClr val="accent1"/>
+              </a:fillRef>
+              <a:effectRef idx="0">
+                <a:schemeClr val="accent1"/>
+              </a:effectRef>
+              <a:fontRef idx="minor">
+                <a:schemeClr val="tx1"/>
+              </a:fontRef>
+            </p:style>
+          </p:cxnSp>
+        </p:grpSp>
+        <p:grpSp>
+          <p:nvGrpSpPr>
+            <p:cNvPr id="329" name="Group 328"/>
+            <p:cNvGrpSpPr/>
+            <p:nvPr/>
+          </p:nvGrpSpPr>
+          <p:grpSpPr>
+            <a:xfrm>
+              <a:off x="7407932" y="227271"/>
+              <a:ext cx="197575" cy="80962"/>
+              <a:chOff x="3371850" y="2904422"/>
+              <a:chExt cx="197575" cy="80962"/>
+            </a:xfrm>
+          </p:grpSpPr>
+          <p:cxnSp>
+            <p:nvCxnSpPr>
+              <p:cNvPr id="335" name="Straight Connector 334"/>
+              <p:cNvCxnSpPr/>
+              <p:nvPr/>
+            </p:nvCxnSpPr>
+            <p:spPr>
+              <a:xfrm>
+                <a:off x="3371850" y="2904422"/>
+                <a:ext cx="197575" cy="0"/>
+              </a:xfrm>
+              <a:prstGeom prst="line">
+                <a:avLst/>
+              </a:prstGeom>
+              <a:ln w="22225">
+                <a:solidFill>
+                  <a:schemeClr val="bg1"/>
+                </a:solidFill>
+              </a:ln>
+            </p:spPr>
+            <p:style>
+              <a:lnRef idx="1">
+                <a:schemeClr val="accent1"/>
+              </a:lnRef>
+              <a:fillRef idx="0">
+                <a:schemeClr val="accent1"/>
+              </a:fillRef>
+              <a:effectRef idx="0">
+                <a:schemeClr val="accent1"/>
+              </a:effectRef>
+              <a:fontRef idx="minor">
+                <a:schemeClr val="tx1"/>
+              </a:fontRef>
+            </p:style>
+          </p:cxnSp>
+          <p:cxnSp>
+            <p:nvCxnSpPr>
+              <p:cNvPr id="336" name="Straight Connector 335"/>
+              <p:cNvCxnSpPr/>
+              <p:nvPr/>
+            </p:nvCxnSpPr>
+            <p:spPr>
+              <a:xfrm>
+                <a:off x="3397485" y="2944903"/>
+                <a:ext cx="146304" cy="0"/>
+              </a:xfrm>
+              <a:prstGeom prst="line">
+                <a:avLst/>
+              </a:prstGeom>
+              <a:ln w="22225">
+                <a:solidFill>
+                  <a:schemeClr val="bg1"/>
+                </a:solidFill>
+              </a:ln>
+            </p:spPr>
+            <p:style>
+              <a:lnRef idx="1">
+                <a:schemeClr val="accent1"/>
+              </a:lnRef>
+              <a:fillRef idx="0">
+                <a:schemeClr val="accent1"/>
+              </a:fillRef>
+              <a:effectRef idx="0">
+                <a:schemeClr val="accent1"/>
+              </a:effectRef>
+              <a:fontRef idx="minor">
+                <a:schemeClr val="tx1"/>
+              </a:fontRef>
+            </p:style>
+          </p:cxnSp>
+          <p:cxnSp>
+            <p:nvCxnSpPr>
+              <p:cNvPr id="337" name="Straight Connector 336"/>
+              <p:cNvCxnSpPr/>
+              <p:nvPr/>
+            </p:nvCxnSpPr>
+            <p:spPr>
+              <a:xfrm>
+                <a:off x="3424917" y="2985384"/>
+                <a:ext cx="91440" cy="0"/>
+              </a:xfrm>
+              <a:prstGeom prst="line">
+                <a:avLst/>
+              </a:prstGeom>
+              <a:ln w="22225">
+                <a:solidFill>
+                  <a:schemeClr val="bg1"/>
+                </a:solidFill>
+              </a:ln>
+            </p:spPr>
+            <p:style>
+              <a:lnRef idx="1">
+                <a:schemeClr val="accent1"/>
+              </a:lnRef>
+              <a:fillRef idx="0">
+                <a:schemeClr val="accent1"/>
+              </a:fillRef>
+              <a:effectRef idx="0">
+                <a:schemeClr val="accent1"/>
+              </a:effectRef>
+              <a:fontRef idx="minor">
+                <a:schemeClr val="tx1"/>
+              </a:fontRef>
+            </p:style>
+          </p:cxnSp>
+        </p:grpSp>
+        <p:grpSp>
+          <p:nvGrpSpPr>
+            <p:cNvPr id="330" name="Group 329"/>
+            <p:cNvGrpSpPr/>
+            <p:nvPr/>
+          </p:nvGrpSpPr>
+          <p:grpSpPr>
+            <a:xfrm>
+              <a:off x="5580872" y="227271"/>
+              <a:ext cx="197575" cy="80962"/>
+              <a:chOff x="3371850" y="2904422"/>
+              <a:chExt cx="197575" cy="80962"/>
+            </a:xfrm>
+          </p:grpSpPr>
+          <p:cxnSp>
+            <p:nvCxnSpPr>
+              <p:cNvPr id="332" name="Straight Connector 331"/>
+              <p:cNvCxnSpPr/>
+              <p:nvPr/>
+            </p:nvCxnSpPr>
+            <p:spPr>
+              <a:xfrm>
+                <a:off x="3371850" y="2904422"/>
+                <a:ext cx="197575" cy="0"/>
+              </a:xfrm>
+              <a:prstGeom prst="line">
+                <a:avLst/>
+              </a:prstGeom>
+              <a:ln w="22225">
+                <a:solidFill>
+                  <a:schemeClr val="bg1"/>
+                </a:solidFill>
+              </a:ln>
+            </p:spPr>
+            <p:style>
+              <a:lnRef idx="1">
+                <a:schemeClr val="accent1"/>
+              </a:lnRef>
+              <a:fillRef idx="0">
+                <a:schemeClr val="accent1"/>
+              </a:fillRef>
+              <a:effectRef idx="0">
+                <a:schemeClr val="accent1"/>
+              </a:effectRef>
+              <a:fontRef idx="minor">
+                <a:schemeClr val="tx1"/>
+              </a:fontRef>
+            </p:style>
+          </p:cxnSp>
+          <p:cxnSp>
+            <p:nvCxnSpPr>
+              <p:cNvPr id="333" name="Straight Connector 332"/>
+              <p:cNvCxnSpPr/>
+              <p:nvPr/>
+            </p:nvCxnSpPr>
+            <p:spPr>
+              <a:xfrm>
+                <a:off x="3397485" y="2944903"/>
+                <a:ext cx="146304" cy="0"/>
+              </a:xfrm>
+              <a:prstGeom prst="line">
+                <a:avLst/>
+              </a:prstGeom>
+              <a:ln w="22225">
+                <a:solidFill>
+                  <a:schemeClr val="bg1"/>
+                </a:solidFill>
+              </a:ln>
+            </p:spPr>
+            <p:style>
+              <a:lnRef idx="1">
+                <a:schemeClr val="accent1"/>
+              </a:lnRef>
+              <a:fillRef idx="0">
+                <a:schemeClr val="accent1"/>
+              </a:fillRef>
+              <a:effectRef idx="0">
+                <a:schemeClr val="accent1"/>
+              </a:effectRef>
+              <a:fontRef idx="minor">
+                <a:schemeClr val="tx1"/>
+              </a:fontRef>
+            </p:style>
+          </p:cxnSp>
+          <p:cxnSp>
+            <p:nvCxnSpPr>
+              <p:cNvPr id="334" name="Straight Connector 333"/>
+              <p:cNvCxnSpPr/>
+              <p:nvPr/>
+            </p:nvCxnSpPr>
+            <p:spPr>
+              <a:xfrm>
+                <a:off x="3424917" y="2985384"/>
+                <a:ext cx="91440" cy="0"/>
+              </a:xfrm>
+              <a:prstGeom prst="line">
+                <a:avLst/>
+              </a:prstGeom>
+              <a:ln w="22225">
+                <a:solidFill>
+                  <a:schemeClr val="bg1"/>
+                </a:solidFill>
+              </a:ln>
+            </p:spPr>
+            <p:style>
+              <a:lnRef idx="1">
+                <a:schemeClr val="accent1"/>
+              </a:lnRef>
+              <a:fillRef idx="0">
+                <a:schemeClr val="accent1"/>
+              </a:fillRef>
+              <a:effectRef idx="0">
+                <a:schemeClr val="accent1"/>
+              </a:effectRef>
+              <a:fontRef idx="minor">
+                <a:schemeClr val="tx1"/>
+              </a:fontRef>
+            </p:style>
+          </p:cxnSp>
+        </p:grpSp>
+        <p:sp>
+          <p:nvSpPr>
+            <p:cNvPr id="331" name="TextBox 330"/>
+            <p:cNvSpPr txBox="1"/>
+            <p:nvPr/>
+          </p:nvSpPr>
+          <p:spPr>
+            <a:xfrm>
+              <a:off x="4258418" y="580351"/>
+              <a:ext cx="1021404" cy="461665"/>
+            </a:xfrm>
+            <a:prstGeom prst="rect">
+              <a:avLst/>
+            </a:prstGeom>
+            <a:noFill/>
+          </p:spPr>
+          <p:txBody>
+            <a:bodyPr wrap="square" rtlCol="0">
+              <a:spAutoFit/>
+            </a:bodyPr>
+            <a:lstStyle/>
+            <a:p>
+              <a:r>
+                <a:rPr lang="en-US" sz="2400" dirty="0" smtClean="0">
+                  <a:ln w="19050">
+                    <a:noFill/>
+                  </a:ln>
+                  <a:solidFill>
+                    <a:schemeClr val="bg1"/>
+                  </a:solidFill>
+                  <a:effectLst>
+                    <a:glow rad="63500">
+                      <a:schemeClr val="tx1"/>
+                    </a:glow>
+                  </a:effectLst>
+                </a:rPr>
+                <a:t>D</a:t>
+              </a:r>
+              <a:endParaRPr lang="en-US" sz="2400" dirty="0">
+                <a:ln w="19050">
+                  <a:noFill/>
+                </a:ln>
+                <a:solidFill>
+                  <a:schemeClr val="bg1"/>
+                </a:solidFill>
+                <a:effectLst>
+                  <a:glow rad="63500">
+                    <a:schemeClr val="tx1"/>
+                  </a:glow>
+                </a:effectLst>
+              </a:endParaRPr>
+            </a:p>
+          </p:txBody>
+        </p:sp>
+      </p:grpSp>
+      <p:grpSp>
+        <p:nvGrpSpPr>
+          <p:cNvPr id="344" name="Group 343"/>
+          <p:cNvGrpSpPr/>
+          <p:nvPr/>
+        </p:nvGrpSpPr>
+        <p:grpSpPr>
+          <a:xfrm>
+            <a:off x="4230147" y="1464429"/>
+            <a:ext cx="3822778" cy="1504762"/>
+            <a:chOff x="4268547" y="1535866"/>
+            <a:chExt cx="3822778" cy="1504762"/>
+          </a:xfrm>
+        </p:grpSpPr>
+        <p:pic>
+          <p:nvPicPr>
+            <p:cNvPr id="345" name="Picture 344"/>
+            <p:cNvPicPr>
+              <a:picLocks noChangeAspect="1"/>
+            </p:cNvPicPr>
+            <p:nvPr/>
+          </p:nvPicPr>
+          <p:blipFill>
+            <a:blip r:embed="rId5">
+              <a:extLst>
+                <a:ext uri="{28A0092B-C50C-407E-A947-70E740481C1C}">
+                  <a14:useLocalDpi xmlns:a14="http://schemas.microsoft.com/office/drawing/2010/main" val="0"/>
+                </a:ext>
+              </a:extLst>
+            </a:blip>
+            <a:stretch>
+              <a:fillRect/>
+            </a:stretch>
+          </p:blipFill>
+          <p:spPr>
+            <a:xfrm>
+              <a:off x="4313560" y="1608869"/>
+              <a:ext cx="3657600" cy="1371600"/>
+            </a:xfrm>
+            <a:prstGeom prst="rect">
+              <a:avLst/>
+            </a:prstGeom>
+            <a:ln w="28575">
+              <a:solidFill>
+                <a:schemeClr val="tx1"/>
+              </a:solidFill>
+            </a:ln>
+          </p:spPr>
+        </p:pic>
+        <p:sp>
+          <p:nvSpPr>
+            <p:cNvPr id="346" name="TextBox 345"/>
+            <p:cNvSpPr txBox="1"/>
+            <p:nvPr/>
+          </p:nvSpPr>
+          <p:spPr>
+            <a:xfrm>
+              <a:off x="4608682" y="1535866"/>
+              <a:ext cx="502920" cy="461665"/>
+            </a:xfrm>
+            <a:prstGeom prst="rect">
+              <a:avLst/>
+            </a:prstGeom>
+            <a:noFill/>
+          </p:spPr>
+          <p:txBody>
+            <a:bodyPr wrap="square" rtlCol="0">
+              <a:spAutoFit/>
+            </a:bodyPr>
+            <a:lstStyle/>
+            <a:p>
+              <a:r>
+                <a:rPr lang="en-US" sz="2400" dirty="0">
+                  <a:solidFill>
+                    <a:schemeClr val="bg1"/>
+                  </a:solidFill>
+                </a:rPr>
+                <a:t>+</a:t>
+              </a:r>
+            </a:p>
+          </p:txBody>
+        </p:sp>
+        <p:sp>
+          <p:nvSpPr>
+            <p:cNvPr id="347" name="TextBox 346"/>
+            <p:cNvSpPr txBox="1"/>
+            <p:nvPr/>
+          </p:nvSpPr>
+          <p:spPr>
+            <a:xfrm>
+              <a:off x="6429639" y="1535866"/>
+              <a:ext cx="502920" cy="461665"/>
+            </a:xfrm>
+            <a:prstGeom prst="rect">
+              <a:avLst/>
+            </a:prstGeom>
+            <a:noFill/>
+          </p:spPr>
+          <p:txBody>
+            <a:bodyPr wrap="square" rtlCol="0">
+              <a:spAutoFit/>
+            </a:bodyPr>
+            <a:lstStyle/>
+            <a:p>
+              <a:r>
+                <a:rPr lang="en-US" sz="2400" dirty="0">
+                  <a:solidFill>
+                    <a:schemeClr val="bg1"/>
+                  </a:solidFill>
+                </a:rPr>
+                <a:t>+</a:t>
+              </a:r>
+            </a:p>
+          </p:txBody>
+        </p:sp>
+        <p:sp>
+          <p:nvSpPr>
+            <p:cNvPr id="348" name="TextBox 347"/>
+            <p:cNvSpPr txBox="1"/>
+            <p:nvPr/>
+          </p:nvSpPr>
+          <p:spPr>
+            <a:xfrm>
+              <a:off x="4608682" y="2578963"/>
+              <a:ext cx="502920" cy="461665"/>
+            </a:xfrm>
+            <a:prstGeom prst="rect">
+              <a:avLst/>
+            </a:prstGeom>
+            <a:noFill/>
+          </p:spPr>
+          <p:txBody>
+            <a:bodyPr wrap="square" rtlCol="0">
+              <a:spAutoFit/>
+            </a:bodyPr>
+            <a:lstStyle/>
+            <a:p>
+              <a:r>
+                <a:rPr lang="en-US" sz="2400" dirty="0">
+                  <a:solidFill>
+                    <a:schemeClr val="bg1"/>
+                  </a:solidFill>
+                </a:rPr>
+                <a:t>+</a:t>
+              </a:r>
+            </a:p>
+          </p:txBody>
+        </p:sp>
+        <p:sp>
+          <p:nvSpPr>
+            <p:cNvPr id="349" name="TextBox 348"/>
+            <p:cNvSpPr txBox="1"/>
+            <p:nvPr/>
+          </p:nvSpPr>
+          <p:spPr>
+            <a:xfrm>
+              <a:off x="6429639" y="2578963"/>
+              <a:ext cx="502920" cy="461665"/>
+            </a:xfrm>
+            <a:prstGeom prst="rect">
+              <a:avLst/>
+            </a:prstGeom>
+            <a:noFill/>
+          </p:spPr>
+          <p:txBody>
+            <a:bodyPr wrap="square" rtlCol="0">
+              <a:spAutoFit/>
+            </a:bodyPr>
+            <a:lstStyle/>
+            <a:p>
+              <a:r>
+                <a:rPr lang="en-US" sz="2400" dirty="0">
+                  <a:solidFill>
+                    <a:schemeClr val="bg1"/>
+                  </a:solidFill>
+                </a:rPr>
+                <a:t>+</a:t>
+              </a:r>
+            </a:p>
+          </p:txBody>
+        </p:sp>
+        <p:sp>
+          <p:nvSpPr>
+            <p:cNvPr id="350" name="TextBox 349"/>
+            <p:cNvSpPr txBox="1"/>
+            <p:nvPr/>
+          </p:nvSpPr>
+          <p:spPr>
+            <a:xfrm>
+              <a:off x="7325515" y="2625129"/>
+              <a:ext cx="765810" cy="369332"/>
+            </a:xfrm>
+            <a:prstGeom prst="rect">
+              <a:avLst/>
+            </a:prstGeom>
+            <a:noFill/>
+          </p:spPr>
+          <p:txBody>
+            <a:bodyPr wrap="square" rtlCol="0">
+              <a:spAutoFit/>
+            </a:bodyPr>
+            <a:lstStyle/>
+            <a:p>
+              <a:r>
+                <a:rPr lang="en-US" b="1" dirty="0">
+                  <a:solidFill>
+                    <a:schemeClr val="bg1"/>
+                  </a:solidFill>
+                </a:rPr>
+                <a:t>—</a:t>
+              </a:r>
+            </a:p>
+          </p:txBody>
+        </p:sp>
+        <p:sp>
+          <p:nvSpPr>
+            <p:cNvPr id="351" name="TextBox 350"/>
+            <p:cNvSpPr txBox="1"/>
+            <p:nvPr/>
+          </p:nvSpPr>
+          <p:spPr>
+            <a:xfrm>
+              <a:off x="5503845" y="2625129"/>
+              <a:ext cx="765810" cy="369332"/>
+            </a:xfrm>
+            <a:prstGeom prst="rect">
+              <a:avLst/>
+            </a:prstGeom>
+            <a:noFill/>
+          </p:spPr>
+          <p:txBody>
+            <a:bodyPr wrap="square" rtlCol="0">
+              <a:spAutoFit/>
+            </a:bodyPr>
+            <a:lstStyle/>
+            <a:p>
+              <a:r>
+                <a:rPr lang="en-US" b="1" dirty="0">
+                  <a:solidFill>
+                    <a:schemeClr val="bg1"/>
+                  </a:solidFill>
+                </a:rPr>
+                <a:t>—</a:t>
+              </a:r>
+            </a:p>
+          </p:txBody>
+        </p:sp>
+        <p:sp>
+          <p:nvSpPr>
+            <p:cNvPr id="352" name="TextBox 351"/>
+            <p:cNvSpPr txBox="1"/>
+            <p:nvPr/>
+          </p:nvSpPr>
+          <p:spPr>
+            <a:xfrm>
+              <a:off x="7325515" y="1582032"/>
+              <a:ext cx="765810" cy="369332"/>
+            </a:xfrm>
+            <a:prstGeom prst="rect">
+              <a:avLst/>
+            </a:prstGeom>
+            <a:noFill/>
+          </p:spPr>
+          <p:txBody>
+            <a:bodyPr wrap="square" rtlCol="0">
+              <a:spAutoFit/>
+            </a:bodyPr>
+            <a:lstStyle/>
+            <a:p>
+              <a:r>
+                <a:rPr lang="en-US" b="1" dirty="0">
+                  <a:solidFill>
+                    <a:schemeClr val="bg1"/>
+                  </a:solidFill>
+                </a:rPr>
+                <a:t>—</a:t>
+              </a:r>
+            </a:p>
+          </p:txBody>
+        </p:sp>
+        <p:sp>
+          <p:nvSpPr>
+            <p:cNvPr id="353" name="TextBox 352"/>
+            <p:cNvSpPr txBox="1"/>
+            <p:nvPr/>
+          </p:nvSpPr>
+          <p:spPr>
+            <a:xfrm>
+              <a:off x="5503845" y="1582032"/>
+              <a:ext cx="765810" cy="369332"/>
+            </a:xfrm>
+            <a:prstGeom prst="rect">
+              <a:avLst/>
+            </a:prstGeom>
+            <a:noFill/>
+          </p:spPr>
+          <p:txBody>
+            <a:bodyPr wrap="square" rtlCol="0">
+              <a:spAutoFit/>
+            </a:bodyPr>
+            <a:lstStyle/>
+            <a:p>
+              <a:r>
+                <a:rPr lang="en-US" b="1" dirty="0">
+                  <a:solidFill>
+                    <a:schemeClr val="bg1"/>
+                  </a:solidFill>
+                </a:rPr>
+                <a:t>—</a:t>
+              </a:r>
+            </a:p>
+          </p:txBody>
+        </p:sp>
+        <p:sp>
+          <p:nvSpPr>
+            <p:cNvPr id="354" name="TextBox 353"/>
+            <p:cNvSpPr txBox="1"/>
+            <p:nvPr/>
+          </p:nvSpPr>
+          <p:spPr>
+            <a:xfrm>
+              <a:off x="4268547" y="2056461"/>
+              <a:ext cx="1021404" cy="461665"/>
+            </a:xfrm>
+            <a:prstGeom prst="rect">
+              <a:avLst/>
+            </a:prstGeom>
+            <a:noFill/>
+          </p:spPr>
+          <p:txBody>
+            <a:bodyPr wrap="square" rtlCol="0">
+              <a:spAutoFit/>
+            </a:bodyPr>
+            <a:lstStyle/>
+            <a:p>
+              <a:r>
+                <a:rPr lang="en-US" sz="2400" dirty="0" smtClean="0">
+                  <a:ln w="19050">
+                    <a:noFill/>
+                  </a:ln>
+                  <a:solidFill>
+                    <a:schemeClr val="bg1"/>
+                  </a:solidFill>
+                  <a:effectLst>
+                    <a:glow rad="63500">
+                      <a:schemeClr val="tx1"/>
+                    </a:glow>
+                  </a:effectLst>
+                </a:rPr>
+                <a:t>E</a:t>
+              </a:r>
+              <a:endParaRPr lang="en-US" sz="2400" dirty="0">
+                <a:ln w="19050">
+                  <a:noFill/>
+                </a:ln>
+                <a:solidFill>
+                  <a:schemeClr val="bg1"/>
+                </a:solidFill>
+                <a:effectLst>
+                  <a:glow rad="63500">
+                    <a:schemeClr val="tx1"/>
+                  </a:glow>
+                </a:effectLst>
+              </a:endParaRPr>
+            </a:p>
+          </p:txBody>
+        </p:sp>
+      </p:grpSp>
+      <p:sp>
+        <p:nvSpPr>
+          <p:cNvPr id="355" name="Rectangle 354"/>
+          <p:cNvSpPr/>
+          <p:nvPr/>
+        </p:nvSpPr>
+        <p:spPr>
+          <a:xfrm>
+            <a:off x="8066689" y="34581"/>
+            <a:ext cx="258314" cy="2888443"/>
+          </a:xfrm>
+          <a:prstGeom prst="rect">
+            <a:avLst/>
+          </a:prstGeom>
+          <a:gradFill>
+            <a:gsLst>
+              <a:gs pos="0">
+                <a:srgbClr val="404040"/>
+              </a:gs>
+              <a:gs pos="100000">
+                <a:schemeClr val="bg1"/>
+              </a:gs>
+            </a:gsLst>
+            <a:lin ang="5400000" scaled="1"/>
+          </a:gradFill>
+          <a:ln w="28575">
+            <a:solidFill>
+              <a:schemeClr val="tx1"/>
+            </a:solidFill>
+          </a:ln>
+        </p:spPr>
+        <p:style>
+          <a:lnRef idx="2">
+            <a:schemeClr val="accent1">
+              <a:shade val="50000"/>
+            </a:schemeClr>
+          </a:lnRef>
+          <a:fillRef idx="1">
+            <a:schemeClr val="accent1"/>
+          </a:fillRef>
+          <a:effectRef idx="0">
+            <a:schemeClr val="accent1"/>
+          </a:effectRef>
+          <a:fontRef idx="minor">
+            <a:schemeClr val="lt1"/>
+          </a:fontRef>
+        </p:style>
+        <p:txBody>
+          <a:bodyPr rot="0" spcFirstLastPara="0" vertOverflow="overflow" horzOverflow="overflow" vert="horz" wrap="square" lIns="91440" tIns="45720" rIns="91440" bIns="45720" numCol="1" spcCol="0" rtlCol="0" fromWordArt="0" anchor="ctr" anchorCtr="0" forceAA="0" compatLnSpc="1">
+            <a:prstTxWarp prst="textNoShape">
+              <a:avLst/>
+            </a:prstTxWarp>
+            <a:noAutofit/>
+          </a:bodyPr>
+          <a:lstStyle/>
+          <a:p>
+            <a:pPr algn="ctr"/>
+            <a:endParaRPr lang="en-US"/>
+          </a:p>
+        </p:txBody>
+      </p:sp>
+      <p:sp>
+        <p:nvSpPr>
+          <p:cNvPr id="356" name="TextBox 355"/>
+          <p:cNvSpPr txBox="1"/>
+          <p:nvPr/>
+        </p:nvSpPr>
+        <p:spPr>
+          <a:xfrm>
+            <a:off x="8286358" y="2773229"/>
+            <a:ext cx="277640" cy="292388"/>
+          </a:xfrm>
+          <a:prstGeom prst="rect">
+            <a:avLst/>
+          </a:prstGeom>
+          <a:noFill/>
+        </p:spPr>
+        <p:txBody>
+          <a:bodyPr wrap="none" rtlCol="0">
+            <a:spAutoFit/>
+          </a:bodyPr>
+          <a:lstStyle/>
+          <a:p>
+            <a:r>
+              <a:rPr lang="en-US" sz="1300" dirty="0">
+                <a:latin typeface="Helvetica" charset="0"/>
+                <a:ea typeface="Helvetica" charset="0"/>
+                <a:cs typeface="Helvetica" charset="0"/>
+              </a:rPr>
+              <a:t>0</a:t>
+            </a:r>
+          </a:p>
+        </p:txBody>
+      </p:sp>
+      <p:cxnSp>
+        <p:nvCxnSpPr>
+          <p:cNvPr id="357" name="Straight Connector 356"/>
+          <p:cNvCxnSpPr/>
+          <p:nvPr/>
+        </p:nvCxnSpPr>
+        <p:spPr>
+          <a:xfrm>
+            <a:off x="8069250" y="1575245"/>
+            <a:ext cx="265176" cy="0"/>
+          </a:xfrm>
+          <a:prstGeom prst="line">
+            <a:avLst/>
+          </a:prstGeom>
+          <a:ln w="22225">
+            <a:solidFill>
+              <a:schemeClr val="tx1"/>
+            </a:solidFill>
+          </a:ln>
+        </p:spPr>
+        <p:style>
+          <a:lnRef idx="1">
+            <a:schemeClr val="accent1"/>
+          </a:lnRef>
+          <a:fillRef idx="0">
+            <a:schemeClr val="accent1"/>
+          </a:fillRef>
+          <a:effectRef idx="0">
+            <a:schemeClr val="accent1"/>
+          </a:effectRef>
+          <a:fontRef idx="minor">
+            <a:schemeClr val="tx1"/>
+          </a:fontRef>
+        </p:style>
+      </p:cxnSp>
+      <p:cxnSp>
+        <p:nvCxnSpPr>
+          <p:cNvPr id="358" name="Straight Connector 357"/>
+          <p:cNvCxnSpPr/>
+          <p:nvPr/>
+        </p:nvCxnSpPr>
+        <p:spPr>
+          <a:xfrm>
+            <a:off x="8069250" y="1767463"/>
+            <a:ext cx="265176" cy="0"/>
+          </a:xfrm>
+          <a:prstGeom prst="line">
+            <a:avLst/>
+          </a:prstGeom>
+          <a:ln w="22225">
+            <a:solidFill>
+              <a:schemeClr val="tx1"/>
+            </a:solidFill>
+          </a:ln>
+        </p:spPr>
+        <p:style>
+          <a:lnRef idx="1">
+            <a:schemeClr val="accent1"/>
+          </a:lnRef>
+          <a:fillRef idx="0">
+            <a:schemeClr val="accent1"/>
+          </a:fillRef>
+          <a:effectRef idx="0">
+            <a:schemeClr val="accent1"/>
+          </a:effectRef>
+          <a:fontRef idx="minor">
+            <a:schemeClr val="tx1"/>
+          </a:fontRef>
+        </p:style>
+      </p:cxnSp>
+      <p:cxnSp>
+        <p:nvCxnSpPr>
+          <p:cNvPr id="359" name="Straight Connector 358"/>
+          <p:cNvCxnSpPr/>
+          <p:nvPr/>
+        </p:nvCxnSpPr>
+        <p:spPr>
+          <a:xfrm>
+            <a:off x="8069250" y="1959681"/>
+            <a:ext cx="265176" cy="0"/>
+          </a:xfrm>
+          <a:prstGeom prst="line">
+            <a:avLst/>
+          </a:prstGeom>
+          <a:ln w="22225">
+            <a:solidFill>
+              <a:schemeClr val="tx1"/>
+            </a:solidFill>
+          </a:ln>
+        </p:spPr>
+        <p:style>
+          <a:lnRef idx="1">
+            <a:schemeClr val="accent1"/>
+          </a:lnRef>
+          <a:fillRef idx="0">
+            <a:schemeClr val="accent1"/>
+          </a:fillRef>
+          <a:effectRef idx="0">
+            <a:schemeClr val="accent1"/>
+          </a:effectRef>
+          <a:fontRef idx="minor">
+            <a:schemeClr val="tx1"/>
+          </a:fontRef>
+        </p:style>
+      </p:cxnSp>
+      <p:cxnSp>
+        <p:nvCxnSpPr>
+          <p:cNvPr id="360" name="Straight Connector 359"/>
+          <p:cNvCxnSpPr/>
+          <p:nvPr/>
+        </p:nvCxnSpPr>
+        <p:spPr>
+          <a:xfrm>
+            <a:off x="8069250" y="2151899"/>
+            <a:ext cx="265176" cy="0"/>
+          </a:xfrm>
+          <a:prstGeom prst="line">
+            <a:avLst/>
+          </a:prstGeom>
+          <a:ln w="22225">
+            <a:solidFill>
+              <a:schemeClr val="tx1"/>
+            </a:solidFill>
+          </a:ln>
+        </p:spPr>
+        <p:style>
+          <a:lnRef idx="1">
+            <a:schemeClr val="accent1"/>
+          </a:lnRef>
+          <a:fillRef idx="0">
+            <a:schemeClr val="accent1"/>
+          </a:fillRef>
+          <a:effectRef idx="0">
+            <a:schemeClr val="accent1"/>
+          </a:effectRef>
+          <a:fontRef idx="minor">
+            <a:schemeClr val="tx1"/>
+          </a:fontRef>
+        </p:style>
+      </p:cxnSp>
+      <p:cxnSp>
+        <p:nvCxnSpPr>
+          <p:cNvPr id="361" name="Straight Connector 360"/>
+          <p:cNvCxnSpPr/>
+          <p:nvPr/>
+        </p:nvCxnSpPr>
+        <p:spPr>
+          <a:xfrm>
+            <a:off x="8069250" y="2344117"/>
+            <a:ext cx="265176" cy="0"/>
+          </a:xfrm>
+          <a:prstGeom prst="line">
+            <a:avLst/>
+          </a:prstGeom>
+          <a:ln w="22225">
+            <a:solidFill>
+              <a:schemeClr val="tx1"/>
+            </a:solidFill>
+          </a:ln>
+        </p:spPr>
+        <p:style>
+          <a:lnRef idx="1">
+            <a:schemeClr val="accent1"/>
+          </a:lnRef>
+          <a:fillRef idx="0">
+            <a:schemeClr val="accent1"/>
+          </a:fillRef>
+          <a:effectRef idx="0">
+            <a:schemeClr val="accent1"/>
+          </a:effectRef>
+          <a:fontRef idx="minor">
+            <a:schemeClr val="tx1"/>
+          </a:fontRef>
+        </p:style>
+      </p:cxnSp>
+      <p:cxnSp>
+        <p:nvCxnSpPr>
+          <p:cNvPr id="362" name="Straight Connector 361"/>
+          <p:cNvCxnSpPr/>
+          <p:nvPr/>
+        </p:nvCxnSpPr>
+        <p:spPr>
+          <a:xfrm>
+            <a:off x="8069250" y="2536335"/>
+            <a:ext cx="265176" cy="0"/>
+          </a:xfrm>
+          <a:prstGeom prst="line">
+            <a:avLst/>
+          </a:prstGeom>
+          <a:ln w="22225">
+            <a:solidFill>
+              <a:schemeClr val="tx1"/>
+            </a:solidFill>
+          </a:ln>
+        </p:spPr>
+        <p:style>
+          <a:lnRef idx="1">
+            <a:schemeClr val="accent1"/>
+          </a:lnRef>
+          <a:fillRef idx="0">
+            <a:schemeClr val="accent1"/>
+          </a:fillRef>
+          <a:effectRef idx="0">
+            <a:schemeClr val="accent1"/>
+          </a:effectRef>
+          <a:fontRef idx="minor">
+            <a:schemeClr val="tx1"/>
+          </a:fontRef>
+        </p:style>
+      </p:cxnSp>
+      <p:cxnSp>
+        <p:nvCxnSpPr>
+          <p:cNvPr id="363" name="Straight Connector 362"/>
+          <p:cNvCxnSpPr/>
+          <p:nvPr/>
+        </p:nvCxnSpPr>
+        <p:spPr>
+          <a:xfrm>
+            <a:off x="8069250" y="2728553"/>
+            <a:ext cx="265176" cy="0"/>
+          </a:xfrm>
+          <a:prstGeom prst="line">
+            <a:avLst/>
+          </a:prstGeom>
+          <a:ln w="22225">
+            <a:solidFill>
+              <a:schemeClr val="tx1"/>
+            </a:solidFill>
+          </a:ln>
+        </p:spPr>
+        <p:style>
+          <a:lnRef idx="1">
+            <a:schemeClr val="accent1"/>
+          </a:lnRef>
+          <a:fillRef idx="0">
+            <a:schemeClr val="accent1"/>
+          </a:fillRef>
+          <a:effectRef idx="0">
+            <a:schemeClr val="accent1"/>
+          </a:effectRef>
+          <a:fontRef idx="minor">
+            <a:schemeClr val="tx1"/>
+          </a:fontRef>
+        </p:style>
+      </p:cxnSp>
+      <p:cxnSp>
+        <p:nvCxnSpPr>
+          <p:cNvPr id="364" name="Straight Connector 363"/>
+          <p:cNvCxnSpPr/>
+          <p:nvPr/>
+        </p:nvCxnSpPr>
+        <p:spPr>
+          <a:xfrm>
+            <a:off x="8069250" y="2920773"/>
+            <a:ext cx="265176" cy="0"/>
+          </a:xfrm>
+          <a:prstGeom prst="line">
+            <a:avLst/>
+          </a:prstGeom>
+          <a:ln w="22225">
+            <a:solidFill>
+              <a:schemeClr val="tx1"/>
+            </a:solidFill>
+          </a:ln>
+        </p:spPr>
+        <p:style>
+          <a:lnRef idx="1">
+            <a:schemeClr val="accent1"/>
+          </a:lnRef>
+          <a:fillRef idx="0">
+            <a:schemeClr val="accent1"/>
+          </a:fillRef>
+          <a:effectRef idx="0">
+            <a:schemeClr val="accent1"/>
+          </a:effectRef>
+          <a:fontRef idx="minor">
+            <a:schemeClr val="tx1"/>
+          </a:fontRef>
+        </p:style>
+      </p:cxnSp>
+      <p:cxnSp>
+        <p:nvCxnSpPr>
+          <p:cNvPr id="365" name="Straight Connector 364"/>
+          <p:cNvCxnSpPr/>
+          <p:nvPr/>
+        </p:nvCxnSpPr>
+        <p:spPr>
+          <a:xfrm>
+            <a:off x="8069250" y="37501"/>
+            <a:ext cx="265176" cy="0"/>
+          </a:xfrm>
+          <a:prstGeom prst="line">
+            <a:avLst/>
+          </a:prstGeom>
+          <a:ln w="22225">
+            <a:solidFill>
+              <a:schemeClr val="tx1"/>
+            </a:solidFill>
+          </a:ln>
+        </p:spPr>
+        <p:style>
+          <a:lnRef idx="1">
+            <a:schemeClr val="accent1"/>
+          </a:lnRef>
+          <a:fillRef idx="0">
+            <a:schemeClr val="accent1"/>
+          </a:fillRef>
+          <a:effectRef idx="0">
+            <a:schemeClr val="accent1"/>
+          </a:effectRef>
+          <a:fontRef idx="minor">
+            <a:schemeClr val="tx1"/>
+          </a:fontRef>
+        </p:style>
+      </p:cxnSp>
+      <p:cxnSp>
+        <p:nvCxnSpPr>
+          <p:cNvPr id="366" name="Straight Connector 365"/>
+          <p:cNvCxnSpPr/>
+          <p:nvPr/>
+        </p:nvCxnSpPr>
+        <p:spPr>
+          <a:xfrm>
+            <a:off x="8069250" y="229719"/>
+            <a:ext cx="265176" cy="0"/>
+          </a:xfrm>
+          <a:prstGeom prst="line">
+            <a:avLst/>
+          </a:prstGeom>
+          <a:ln w="22225">
+            <a:solidFill>
+              <a:schemeClr val="tx1"/>
+            </a:solidFill>
+          </a:ln>
+        </p:spPr>
+        <p:style>
+          <a:lnRef idx="1">
+            <a:schemeClr val="accent1"/>
+          </a:lnRef>
+          <a:fillRef idx="0">
+            <a:schemeClr val="accent1"/>
+          </a:fillRef>
+          <a:effectRef idx="0">
+            <a:schemeClr val="accent1"/>
+          </a:effectRef>
+          <a:fontRef idx="minor">
+            <a:schemeClr val="tx1"/>
+          </a:fontRef>
+        </p:style>
+      </p:cxnSp>
+      <p:cxnSp>
+        <p:nvCxnSpPr>
+          <p:cNvPr id="367" name="Straight Connector 366"/>
+          <p:cNvCxnSpPr/>
+          <p:nvPr/>
+        </p:nvCxnSpPr>
+        <p:spPr>
+          <a:xfrm>
+            <a:off x="8069250" y="421937"/>
+            <a:ext cx="265176" cy="0"/>
+          </a:xfrm>
+          <a:prstGeom prst="line">
+            <a:avLst/>
+          </a:prstGeom>
+          <a:ln w="22225">
+            <a:solidFill>
+              <a:schemeClr val="tx1"/>
+            </a:solidFill>
+          </a:ln>
+        </p:spPr>
+        <p:style>
+          <a:lnRef idx="1">
+            <a:schemeClr val="accent1"/>
+          </a:lnRef>
+          <a:fillRef idx="0">
+            <a:schemeClr val="accent1"/>
+          </a:fillRef>
+          <a:effectRef idx="0">
+            <a:schemeClr val="accent1"/>
+          </a:effectRef>
+          <a:fontRef idx="minor">
+            <a:schemeClr val="tx1"/>
+          </a:fontRef>
+        </p:style>
+      </p:cxnSp>
+      <p:cxnSp>
+        <p:nvCxnSpPr>
+          <p:cNvPr id="368" name="Straight Connector 367"/>
+          <p:cNvCxnSpPr/>
+          <p:nvPr/>
+        </p:nvCxnSpPr>
+        <p:spPr>
+          <a:xfrm>
+            <a:off x="8069250" y="614155"/>
+            <a:ext cx="265176" cy="0"/>
+          </a:xfrm>
+          <a:prstGeom prst="line">
+            <a:avLst/>
+          </a:prstGeom>
+          <a:ln w="22225">
+            <a:solidFill>
+              <a:schemeClr val="tx1"/>
+            </a:solidFill>
+          </a:ln>
+        </p:spPr>
+        <p:style>
+          <a:lnRef idx="1">
+            <a:schemeClr val="accent1"/>
+          </a:lnRef>
+          <a:fillRef idx="0">
+            <a:schemeClr val="accent1"/>
+          </a:fillRef>
+          <a:effectRef idx="0">
+            <a:schemeClr val="accent1"/>
+          </a:effectRef>
+          <a:fontRef idx="minor">
+            <a:schemeClr val="tx1"/>
+          </a:fontRef>
+        </p:style>
+      </p:cxnSp>
+      <p:cxnSp>
+        <p:nvCxnSpPr>
+          <p:cNvPr id="369" name="Straight Connector 368"/>
+          <p:cNvCxnSpPr/>
+          <p:nvPr/>
+        </p:nvCxnSpPr>
+        <p:spPr>
+          <a:xfrm>
+            <a:off x="8069250" y="806373"/>
+            <a:ext cx="265176" cy="0"/>
+          </a:xfrm>
+          <a:prstGeom prst="line">
+            <a:avLst/>
+          </a:prstGeom>
+          <a:ln w="22225">
+            <a:solidFill>
+              <a:schemeClr val="tx1"/>
+            </a:solidFill>
+          </a:ln>
+        </p:spPr>
+        <p:style>
+          <a:lnRef idx="1">
+            <a:schemeClr val="accent1"/>
+          </a:lnRef>
+          <a:fillRef idx="0">
+            <a:schemeClr val="accent1"/>
+          </a:fillRef>
+          <a:effectRef idx="0">
+            <a:schemeClr val="accent1"/>
+          </a:effectRef>
+          <a:fontRef idx="minor">
+            <a:schemeClr val="tx1"/>
+          </a:fontRef>
+        </p:style>
+      </p:cxnSp>
+      <p:cxnSp>
+        <p:nvCxnSpPr>
+          <p:cNvPr id="370" name="Straight Connector 369"/>
+          <p:cNvCxnSpPr/>
+          <p:nvPr/>
+        </p:nvCxnSpPr>
+        <p:spPr>
+          <a:xfrm>
+            <a:off x="8069250" y="998591"/>
+            <a:ext cx="265176" cy="0"/>
+          </a:xfrm>
+          <a:prstGeom prst="line">
+            <a:avLst/>
+          </a:prstGeom>
+          <a:ln w="22225">
+            <a:solidFill>
+              <a:schemeClr val="tx1"/>
+            </a:solidFill>
+          </a:ln>
+        </p:spPr>
+        <p:style>
+          <a:lnRef idx="1">
+            <a:schemeClr val="accent1"/>
+          </a:lnRef>
+          <a:fillRef idx="0">
+            <a:schemeClr val="accent1"/>
+          </a:fillRef>
+          <a:effectRef idx="0">
+            <a:schemeClr val="accent1"/>
+          </a:effectRef>
+          <a:fontRef idx="minor">
+            <a:schemeClr val="tx1"/>
+          </a:fontRef>
+        </p:style>
+      </p:cxnSp>
+      <p:cxnSp>
+        <p:nvCxnSpPr>
+          <p:cNvPr id="371" name="Straight Connector 370"/>
+          <p:cNvCxnSpPr/>
+          <p:nvPr/>
+        </p:nvCxnSpPr>
+        <p:spPr>
+          <a:xfrm>
+            <a:off x="8069250" y="1190809"/>
+            <a:ext cx="265176" cy="0"/>
+          </a:xfrm>
+          <a:prstGeom prst="line">
+            <a:avLst/>
+          </a:prstGeom>
+          <a:ln w="22225">
+            <a:solidFill>
+              <a:schemeClr val="tx1"/>
+            </a:solidFill>
+          </a:ln>
+        </p:spPr>
+        <p:style>
+          <a:lnRef idx="1">
+            <a:schemeClr val="accent1"/>
+          </a:lnRef>
+          <a:fillRef idx="0">
+            <a:schemeClr val="accent1"/>
+          </a:fillRef>
+          <a:effectRef idx="0">
+            <a:schemeClr val="accent1"/>
+          </a:effectRef>
+          <a:fontRef idx="minor">
+            <a:schemeClr val="tx1"/>
+          </a:fontRef>
+        </p:style>
+      </p:cxnSp>
+      <p:cxnSp>
+        <p:nvCxnSpPr>
+          <p:cNvPr id="372" name="Straight Connector 371"/>
+          <p:cNvCxnSpPr/>
+          <p:nvPr/>
+        </p:nvCxnSpPr>
+        <p:spPr>
+          <a:xfrm>
+            <a:off x="8069250" y="1383027"/>
+            <a:ext cx="265176" cy="0"/>
+          </a:xfrm>
+          <a:prstGeom prst="line">
+            <a:avLst/>
+          </a:prstGeom>
+          <a:ln w="22225">
+            <a:solidFill>
+              <a:schemeClr val="tx1"/>
+            </a:solidFill>
+          </a:ln>
+        </p:spPr>
+        <p:style>
+          <a:lnRef idx="1">
+            <a:schemeClr val="accent1"/>
+          </a:lnRef>
+          <a:fillRef idx="0">
+            <a:schemeClr val="accent1"/>
+          </a:fillRef>
+          <a:effectRef idx="0">
+            <a:schemeClr val="accent1"/>
+          </a:effectRef>
+          <a:fontRef idx="minor">
+            <a:schemeClr val="tx1"/>
+          </a:fontRef>
+        </p:style>
+      </p:cxnSp>
+      <p:sp>
+        <p:nvSpPr>
+          <p:cNvPr id="373" name="TextBox 372"/>
+          <p:cNvSpPr txBox="1"/>
+          <p:nvPr/>
+        </p:nvSpPr>
+        <p:spPr>
+          <a:xfrm>
+            <a:off x="8286358" y="2388212"/>
+            <a:ext cx="370614" cy="292388"/>
+          </a:xfrm>
+          <a:prstGeom prst="rect">
+            <a:avLst/>
+          </a:prstGeom>
+          <a:noFill/>
+        </p:spPr>
+        <p:txBody>
+          <a:bodyPr wrap="none" rtlCol="0">
+            <a:spAutoFit/>
+          </a:bodyPr>
+          <a:lstStyle/>
+          <a:p>
+            <a:r>
+              <a:rPr lang="en-US" sz="1300" dirty="0">
+                <a:latin typeface="Helvetica" charset="0"/>
+                <a:ea typeface="Helvetica" charset="0"/>
+                <a:cs typeface="Helvetica" charset="0"/>
+              </a:rPr>
+              <a:t>20</a:t>
+            </a:r>
+          </a:p>
+        </p:txBody>
+      </p:sp>
+      <p:sp>
+        <p:nvSpPr>
+          <p:cNvPr id="374" name="TextBox 373"/>
+          <p:cNvSpPr txBox="1"/>
+          <p:nvPr/>
+        </p:nvSpPr>
+        <p:spPr>
+          <a:xfrm>
+            <a:off x="8286358" y="2003196"/>
+            <a:ext cx="370614" cy="292388"/>
+          </a:xfrm>
+          <a:prstGeom prst="rect">
+            <a:avLst/>
+          </a:prstGeom>
+          <a:noFill/>
+        </p:spPr>
+        <p:txBody>
+          <a:bodyPr wrap="none" rtlCol="0">
+            <a:spAutoFit/>
+          </a:bodyPr>
+          <a:lstStyle/>
+          <a:p>
+            <a:r>
+              <a:rPr lang="en-US" sz="1300">
+                <a:latin typeface="Helvetica" charset="0"/>
+                <a:ea typeface="Helvetica" charset="0"/>
+                <a:cs typeface="Helvetica" charset="0"/>
+              </a:rPr>
+              <a:t>40</a:t>
+            </a:r>
+          </a:p>
+        </p:txBody>
+      </p:sp>
+      <p:sp>
+        <p:nvSpPr>
+          <p:cNvPr id="375" name="TextBox 374"/>
+          <p:cNvSpPr txBox="1"/>
+          <p:nvPr/>
+        </p:nvSpPr>
+        <p:spPr>
+          <a:xfrm>
+            <a:off x="8286358" y="1618180"/>
+            <a:ext cx="370614" cy="292388"/>
+          </a:xfrm>
+          <a:prstGeom prst="rect">
+            <a:avLst/>
+          </a:prstGeom>
+          <a:noFill/>
+        </p:spPr>
+        <p:txBody>
+          <a:bodyPr wrap="none" rtlCol="0">
+            <a:spAutoFit/>
+          </a:bodyPr>
+          <a:lstStyle/>
+          <a:p>
+            <a:r>
+              <a:rPr lang="en-US" sz="1300">
+                <a:latin typeface="Helvetica" charset="0"/>
+                <a:ea typeface="Helvetica" charset="0"/>
+                <a:cs typeface="Helvetica" charset="0"/>
+              </a:rPr>
+              <a:t>60</a:t>
+            </a:r>
+          </a:p>
+        </p:txBody>
+      </p:sp>
+      <p:sp>
+        <p:nvSpPr>
+          <p:cNvPr id="376" name="TextBox 375"/>
+          <p:cNvSpPr txBox="1"/>
+          <p:nvPr/>
+        </p:nvSpPr>
+        <p:spPr>
+          <a:xfrm>
+            <a:off x="8286358" y="1233164"/>
+            <a:ext cx="370614" cy="292388"/>
+          </a:xfrm>
+          <a:prstGeom prst="rect">
+            <a:avLst/>
+          </a:prstGeom>
+          <a:noFill/>
+        </p:spPr>
+        <p:txBody>
+          <a:bodyPr wrap="none" rtlCol="0">
+            <a:spAutoFit/>
+          </a:bodyPr>
+          <a:lstStyle/>
+          <a:p>
+            <a:r>
+              <a:rPr lang="en-US" sz="1300">
+                <a:latin typeface="Helvetica" charset="0"/>
+                <a:ea typeface="Helvetica" charset="0"/>
+                <a:cs typeface="Helvetica" charset="0"/>
+              </a:rPr>
+              <a:t>80</a:t>
+            </a:r>
+          </a:p>
+        </p:txBody>
+      </p:sp>
+      <p:sp>
+        <p:nvSpPr>
+          <p:cNvPr id="377" name="TextBox 376"/>
+          <p:cNvSpPr txBox="1"/>
+          <p:nvPr/>
+        </p:nvSpPr>
+        <p:spPr>
+          <a:xfrm>
+            <a:off x="8252318" y="848148"/>
+            <a:ext cx="444352" cy="292388"/>
+          </a:xfrm>
+          <a:prstGeom prst="rect">
+            <a:avLst/>
+          </a:prstGeom>
+          <a:noFill/>
+        </p:spPr>
+        <p:txBody>
+          <a:bodyPr wrap="none" rtlCol="0">
+            <a:spAutoFit/>
+          </a:bodyPr>
+          <a:lstStyle/>
+          <a:p>
+            <a:r>
+              <a:rPr lang="en-US" sz="1300" spc="-50" dirty="0">
+                <a:latin typeface="Helvetica" charset="0"/>
+                <a:ea typeface="Helvetica" charset="0"/>
+                <a:cs typeface="Helvetica" charset="0"/>
+              </a:rPr>
+              <a:t>100</a:t>
+            </a:r>
+          </a:p>
+        </p:txBody>
+      </p:sp>
+      <p:sp>
+        <p:nvSpPr>
+          <p:cNvPr id="378" name="TextBox 377"/>
+          <p:cNvSpPr txBox="1"/>
+          <p:nvPr/>
+        </p:nvSpPr>
+        <p:spPr>
+          <a:xfrm>
+            <a:off x="8252318" y="463132"/>
+            <a:ext cx="444352" cy="292388"/>
+          </a:xfrm>
+          <a:prstGeom prst="rect">
+            <a:avLst/>
+          </a:prstGeom>
+          <a:noFill/>
+        </p:spPr>
+        <p:txBody>
+          <a:bodyPr wrap="none" rtlCol="0">
+            <a:spAutoFit/>
+          </a:bodyPr>
+          <a:lstStyle/>
+          <a:p>
+            <a:r>
+              <a:rPr lang="en-US" sz="1300" spc="-50">
+                <a:latin typeface="Helvetica" charset="0"/>
+                <a:ea typeface="Helvetica" charset="0"/>
+                <a:cs typeface="Helvetica" charset="0"/>
+              </a:rPr>
+              <a:t>120</a:t>
+            </a:r>
+          </a:p>
+        </p:txBody>
+      </p:sp>
+      <p:sp>
+        <p:nvSpPr>
+          <p:cNvPr id="379" name="TextBox 378"/>
+          <p:cNvSpPr txBox="1"/>
+          <p:nvPr/>
+        </p:nvSpPr>
+        <p:spPr>
+          <a:xfrm>
+            <a:off x="8252318" y="78116"/>
+            <a:ext cx="444352" cy="292388"/>
+          </a:xfrm>
+          <a:prstGeom prst="rect">
+            <a:avLst/>
+          </a:prstGeom>
+          <a:noFill/>
+        </p:spPr>
+        <p:txBody>
+          <a:bodyPr wrap="none" rtlCol="0">
+            <a:spAutoFit/>
+          </a:bodyPr>
+          <a:lstStyle/>
+          <a:p>
+            <a:r>
+              <a:rPr lang="en-US" sz="1300" spc="-50" dirty="0">
+                <a:latin typeface="Helvetica" charset="0"/>
+                <a:ea typeface="Helvetica" charset="0"/>
+                <a:cs typeface="Helvetica" charset="0"/>
+              </a:rPr>
+              <a:t>140</a:t>
+            </a:r>
+          </a:p>
+        </p:txBody>
+      </p:sp>
+      <p:sp>
+        <p:nvSpPr>
+          <p:cNvPr id="380" name="TextBox 379"/>
+          <p:cNvSpPr txBox="1"/>
+          <p:nvPr/>
+        </p:nvSpPr>
+        <p:spPr>
+          <a:xfrm rot="16200000">
+            <a:off x="7845341" y="1189126"/>
+            <a:ext cx="1811505" cy="292388"/>
+          </a:xfrm>
+          <a:prstGeom prst="rect">
+            <a:avLst/>
+          </a:prstGeom>
+          <a:noFill/>
+        </p:spPr>
+        <p:txBody>
+          <a:bodyPr wrap="square" rtlCol="0">
+            <a:spAutoFit/>
+          </a:bodyPr>
+          <a:lstStyle/>
+          <a:p>
+            <a:r>
+              <a:rPr lang="en-US" sz="1300" dirty="0"/>
+              <a:t>E-Field Norm (kV/cm)</a:t>
+            </a:r>
+          </a:p>
+        </p:txBody>
+      </p:sp>
+      <p:sp>
+        <p:nvSpPr>
+          <p:cNvPr id="381" name="TextBox 380"/>
+          <p:cNvSpPr txBox="1"/>
+          <p:nvPr/>
+        </p:nvSpPr>
+        <p:spPr>
+          <a:xfrm>
+            <a:off x="486869" y="3103573"/>
+            <a:ext cx="887143" cy="369332"/>
+          </a:xfrm>
+          <a:prstGeom prst="rect">
+            <a:avLst/>
+          </a:prstGeom>
+          <a:noFill/>
+        </p:spPr>
+        <p:txBody>
+          <a:bodyPr wrap="square" rtlCol="0">
+            <a:spAutoFit/>
+          </a:bodyPr>
+          <a:lstStyle/>
+          <a:p>
+            <a:r>
+              <a:rPr lang="en-US" dirty="0">
+                <a:effectLst>
+                  <a:glow rad="127000">
+                    <a:schemeClr val="bg1"/>
+                  </a:glow>
+                </a:effectLst>
+              </a:rPr>
+              <a:t>S=1</a:t>
+            </a:r>
+          </a:p>
+        </p:txBody>
+      </p:sp>
+      <p:sp>
+        <p:nvSpPr>
+          <p:cNvPr id="382" name="TextBox 381"/>
+          <p:cNvSpPr txBox="1"/>
+          <p:nvPr/>
+        </p:nvSpPr>
+        <p:spPr>
+          <a:xfrm>
+            <a:off x="486869" y="3977719"/>
+            <a:ext cx="887143" cy="369332"/>
+          </a:xfrm>
+          <a:prstGeom prst="rect">
+            <a:avLst/>
+          </a:prstGeom>
+          <a:noFill/>
+        </p:spPr>
+        <p:txBody>
+          <a:bodyPr wrap="square" rtlCol="0">
+            <a:spAutoFit/>
+          </a:bodyPr>
+          <a:lstStyle/>
+          <a:p>
+            <a:r>
+              <a:rPr lang="en-US" dirty="0">
+                <a:effectLst>
+                  <a:glow rad="127000">
+                    <a:schemeClr val="bg1"/>
+                  </a:glow>
+                </a:effectLst>
+              </a:rPr>
+              <a:t>S=3</a:t>
+            </a:r>
+          </a:p>
+        </p:txBody>
+      </p:sp>
+      <p:sp>
+        <p:nvSpPr>
+          <p:cNvPr id="383" name="TextBox 382"/>
+          <p:cNvSpPr txBox="1"/>
+          <p:nvPr/>
+        </p:nvSpPr>
+        <p:spPr>
+          <a:xfrm>
+            <a:off x="4296225" y="3103573"/>
+            <a:ext cx="887143" cy="369332"/>
+          </a:xfrm>
+          <a:prstGeom prst="rect">
+            <a:avLst/>
+          </a:prstGeom>
+          <a:noFill/>
+        </p:spPr>
+        <p:txBody>
+          <a:bodyPr wrap="square" rtlCol="0">
+            <a:spAutoFit/>
+          </a:bodyPr>
+          <a:lstStyle/>
+          <a:p>
+            <a:r>
+              <a:rPr lang="en-US" dirty="0" smtClean="0">
+                <a:effectLst>
+                  <a:glow rad="127000">
+                    <a:schemeClr val="bg1"/>
+                  </a:glow>
+                </a:effectLst>
+              </a:rPr>
+              <a:t>F</a:t>
+            </a:r>
+            <a:endParaRPr lang="en-US" dirty="0">
+              <a:effectLst>
+                <a:glow rad="127000">
+                  <a:schemeClr val="bg1"/>
+                </a:glow>
+              </a:effectLst>
+            </a:endParaRPr>
+          </a:p>
+        </p:txBody>
+      </p:sp>
+      <p:sp>
+        <p:nvSpPr>
+          <p:cNvPr id="384" name="TextBox 383"/>
+          <p:cNvSpPr txBox="1"/>
+          <p:nvPr/>
+        </p:nvSpPr>
+        <p:spPr>
+          <a:xfrm>
+            <a:off x="4296225" y="3977719"/>
+            <a:ext cx="887143" cy="369332"/>
+          </a:xfrm>
+          <a:prstGeom prst="rect">
+            <a:avLst/>
+          </a:prstGeom>
+          <a:noFill/>
+        </p:spPr>
+        <p:txBody>
+          <a:bodyPr wrap="square" rtlCol="0">
+            <a:spAutoFit/>
+          </a:bodyPr>
+          <a:lstStyle/>
+          <a:p>
+            <a:r>
+              <a:rPr lang="en-US" dirty="0">
+                <a:effectLst>
+                  <a:glow rad="127000">
+                    <a:schemeClr val="bg1"/>
+                  </a:glow>
+                </a:effectLst>
+              </a:rPr>
+              <a:t>VSF</a:t>
+            </a:r>
+          </a:p>
+        </p:txBody>
+      </p:sp>
+      <p:grpSp>
+        <p:nvGrpSpPr>
+          <p:cNvPr id="385" name="Group 384"/>
+          <p:cNvGrpSpPr/>
+          <p:nvPr/>
+        </p:nvGrpSpPr>
+        <p:grpSpPr>
+          <a:xfrm>
+            <a:off x="3952752" y="1409086"/>
+            <a:ext cx="333746" cy="1613539"/>
+            <a:chOff x="492957" y="1495826"/>
+            <a:chExt cx="333746" cy="1613539"/>
+          </a:xfrm>
+        </p:grpSpPr>
+        <p:sp>
+          <p:nvSpPr>
+            <p:cNvPr id="386" name="TextBox 385"/>
+            <p:cNvSpPr txBox="1"/>
+            <p:nvPr/>
+          </p:nvSpPr>
+          <p:spPr>
+            <a:xfrm>
+              <a:off x="549063" y="2156402"/>
+              <a:ext cx="277640" cy="292388"/>
+            </a:xfrm>
+            <a:prstGeom prst="rect">
+              <a:avLst/>
+            </a:prstGeom>
+            <a:noFill/>
+          </p:spPr>
+          <p:txBody>
+            <a:bodyPr wrap="none" rtlCol="0">
+              <a:spAutoFit/>
+            </a:bodyPr>
+            <a:lstStyle/>
+            <a:p>
+              <a:pPr algn="r"/>
+              <a:r>
+                <a:rPr lang="en-US" sz="1300">
+                  <a:latin typeface="Helvetica" charset="0"/>
+                  <a:ea typeface="Helvetica" charset="0"/>
+                  <a:cs typeface="Helvetica" charset="0"/>
+                </a:rPr>
+                <a:t>0</a:t>
+              </a:r>
+            </a:p>
+          </p:txBody>
+        </p:sp>
+        <p:sp>
+          <p:nvSpPr>
+            <p:cNvPr id="387" name="TextBox 386"/>
+            <p:cNvSpPr txBox="1"/>
+            <p:nvPr/>
+          </p:nvSpPr>
+          <p:spPr>
+            <a:xfrm>
+              <a:off x="492957" y="2496964"/>
+              <a:ext cx="333746" cy="292388"/>
+            </a:xfrm>
+            <a:prstGeom prst="rect">
+              <a:avLst/>
+            </a:prstGeom>
+            <a:noFill/>
+          </p:spPr>
+          <p:txBody>
+            <a:bodyPr wrap="none" rtlCol="0">
+              <a:spAutoFit/>
+            </a:bodyPr>
+            <a:lstStyle/>
+            <a:p>
+              <a:pPr algn="r"/>
+              <a:r>
+                <a:rPr lang="en-US" sz="1300">
+                  <a:latin typeface="Helvetica" charset="0"/>
+                  <a:ea typeface="Helvetica" charset="0"/>
+                  <a:cs typeface="Helvetica" charset="0"/>
+                </a:rPr>
+                <a:t>-2</a:t>
+              </a:r>
+            </a:p>
+          </p:txBody>
+        </p:sp>
+        <p:sp>
+          <p:nvSpPr>
+            <p:cNvPr id="388" name="TextBox 387"/>
+            <p:cNvSpPr txBox="1"/>
+            <p:nvPr/>
+          </p:nvSpPr>
+          <p:spPr>
+            <a:xfrm>
+              <a:off x="492957" y="2816977"/>
+              <a:ext cx="333746" cy="292388"/>
+            </a:xfrm>
+            <a:prstGeom prst="rect">
+              <a:avLst/>
+            </a:prstGeom>
+            <a:noFill/>
+          </p:spPr>
+          <p:txBody>
+            <a:bodyPr wrap="none" rtlCol="0">
+              <a:spAutoFit/>
+            </a:bodyPr>
+            <a:lstStyle/>
+            <a:p>
+              <a:pPr algn="r"/>
+              <a:r>
+                <a:rPr lang="en-US" sz="1300" dirty="0">
+                  <a:latin typeface="Helvetica" charset="0"/>
+                  <a:ea typeface="Helvetica" charset="0"/>
+                  <a:cs typeface="Helvetica" charset="0"/>
+                </a:rPr>
+                <a:t>-4</a:t>
+              </a:r>
+            </a:p>
+          </p:txBody>
+        </p:sp>
+        <p:sp>
+          <p:nvSpPr>
+            <p:cNvPr id="389" name="TextBox 388"/>
+            <p:cNvSpPr txBox="1"/>
+            <p:nvPr/>
+          </p:nvSpPr>
+          <p:spPr>
+            <a:xfrm>
+              <a:off x="549063" y="1495826"/>
+              <a:ext cx="277640" cy="292388"/>
+            </a:xfrm>
+            <a:prstGeom prst="rect">
+              <a:avLst/>
+            </a:prstGeom>
+            <a:noFill/>
+          </p:spPr>
+          <p:txBody>
+            <a:bodyPr wrap="none" rtlCol="0">
+              <a:spAutoFit/>
+            </a:bodyPr>
+            <a:lstStyle/>
+            <a:p>
+              <a:pPr algn="r"/>
+              <a:r>
+                <a:rPr lang="en-US" sz="1300" dirty="0">
+                  <a:latin typeface="Helvetica" charset="0"/>
+                  <a:ea typeface="Helvetica" charset="0"/>
+                  <a:cs typeface="Helvetica" charset="0"/>
+                </a:rPr>
+                <a:t>4</a:t>
+              </a:r>
+            </a:p>
+          </p:txBody>
+        </p:sp>
+        <p:sp>
+          <p:nvSpPr>
+            <p:cNvPr id="390" name="TextBox 389"/>
+            <p:cNvSpPr txBox="1"/>
+            <p:nvPr/>
+          </p:nvSpPr>
+          <p:spPr>
+            <a:xfrm>
+              <a:off x="549063" y="1815840"/>
+              <a:ext cx="277640" cy="292388"/>
+            </a:xfrm>
+            <a:prstGeom prst="rect">
+              <a:avLst/>
+            </a:prstGeom>
+            <a:noFill/>
+          </p:spPr>
+          <p:txBody>
+            <a:bodyPr wrap="none" rtlCol="0">
+              <a:spAutoFit/>
+            </a:bodyPr>
+            <a:lstStyle/>
+            <a:p>
+              <a:pPr algn="r"/>
+              <a:r>
+                <a:rPr lang="en-US" sz="1300" dirty="0">
+                  <a:latin typeface="Helvetica" charset="0"/>
+                  <a:ea typeface="Helvetica" charset="0"/>
+                  <a:cs typeface="Helvetica" charset="0"/>
+                </a:rPr>
+                <a:t>2</a:t>
+              </a:r>
+            </a:p>
+          </p:txBody>
+        </p:sp>
+      </p:grpSp>
+      <p:grpSp>
+        <p:nvGrpSpPr>
+          <p:cNvPr id="405" name="Group 404"/>
+          <p:cNvGrpSpPr/>
+          <p:nvPr/>
+        </p:nvGrpSpPr>
+        <p:grpSpPr>
+          <a:xfrm>
+            <a:off x="345054" y="4745251"/>
+            <a:ext cx="3902803" cy="292388"/>
+            <a:chOff x="4483764" y="4814204"/>
+            <a:chExt cx="3902803" cy="292388"/>
+          </a:xfrm>
+        </p:grpSpPr>
+        <p:sp>
+          <p:nvSpPr>
+            <p:cNvPr id="406" name="TextBox 405"/>
+            <p:cNvSpPr txBox="1"/>
+            <p:nvPr/>
+          </p:nvSpPr>
+          <p:spPr>
+            <a:xfrm>
+              <a:off x="4483764" y="4814204"/>
+              <a:ext cx="277640" cy="292388"/>
+            </a:xfrm>
+            <a:prstGeom prst="rect">
+              <a:avLst/>
+            </a:prstGeom>
+            <a:noFill/>
+          </p:spPr>
+          <p:txBody>
+            <a:bodyPr wrap="none" rtlCol="0">
+              <a:spAutoFit/>
+            </a:bodyPr>
+            <a:lstStyle/>
+            <a:p>
+              <a:r>
+                <a:rPr lang="en-US" sz="1300" dirty="0">
+                  <a:latin typeface="Helvetica" charset="0"/>
+                  <a:ea typeface="Helvetica" charset="0"/>
+                  <a:cs typeface="Helvetica" charset="0"/>
+                </a:rPr>
+                <a:t>0</a:t>
+              </a:r>
+            </a:p>
+          </p:txBody>
+        </p:sp>
+        <p:sp>
+          <p:nvSpPr>
+            <p:cNvPr id="407" name="TextBox 406"/>
+            <p:cNvSpPr txBox="1"/>
+            <p:nvPr/>
+          </p:nvSpPr>
+          <p:spPr>
+            <a:xfrm>
+              <a:off x="5367622" y="4814204"/>
+              <a:ext cx="277640" cy="292388"/>
+            </a:xfrm>
+            <a:prstGeom prst="rect">
+              <a:avLst/>
+            </a:prstGeom>
+            <a:noFill/>
+          </p:spPr>
+          <p:txBody>
+            <a:bodyPr wrap="none" rtlCol="0">
+              <a:spAutoFit/>
+            </a:bodyPr>
+            <a:lstStyle/>
+            <a:p>
+              <a:r>
+                <a:rPr lang="en-US" sz="1300" dirty="0">
+                  <a:latin typeface="Helvetica" charset="0"/>
+                  <a:ea typeface="Helvetica" charset="0"/>
+                  <a:cs typeface="Helvetica" charset="0"/>
+                </a:rPr>
+                <a:t>5</a:t>
+              </a:r>
+            </a:p>
+          </p:txBody>
+        </p:sp>
+        <p:sp>
+          <p:nvSpPr>
+            <p:cNvPr id="408" name="TextBox 407"/>
+            <p:cNvSpPr txBox="1"/>
+            <p:nvPr/>
+          </p:nvSpPr>
+          <p:spPr>
+            <a:xfrm>
+              <a:off x="6235714" y="4814204"/>
+              <a:ext cx="370614" cy="292388"/>
+            </a:xfrm>
+            <a:prstGeom prst="rect">
+              <a:avLst/>
+            </a:prstGeom>
+            <a:noFill/>
+          </p:spPr>
+          <p:txBody>
+            <a:bodyPr wrap="none" rtlCol="0">
+              <a:spAutoFit/>
+            </a:bodyPr>
+            <a:lstStyle/>
+            <a:p>
+              <a:r>
+                <a:rPr lang="en-US" sz="1300" dirty="0">
+                  <a:latin typeface="Helvetica" charset="0"/>
+                  <a:ea typeface="Helvetica" charset="0"/>
+                  <a:cs typeface="Helvetica" charset="0"/>
+                </a:rPr>
+                <a:t>10</a:t>
+              </a:r>
+            </a:p>
+          </p:txBody>
+        </p:sp>
+        <p:sp>
+          <p:nvSpPr>
+            <p:cNvPr id="409" name="TextBox 408"/>
+            <p:cNvSpPr txBox="1"/>
+            <p:nvPr/>
+          </p:nvSpPr>
+          <p:spPr>
+            <a:xfrm>
+              <a:off x="7141599" y="4814204"/>
+              <a:ext cx="370614" cy="292388"/>
+            </a:xfrm>
+            <a:prstGeom prst="rect">
+              <a:avLst/>
+            </a:prstGeom>
+            <a:noFill/>
+          </p:spPr>
+          <p:txBody>
+            <a:bodyPr wrap="none" rtlCol="0">
+              <a:spAutoFit/>
+            </a:bodyPr>
+            <a:lstStyle/>
+            <a:p>
+              <a:r>
+                <a:rPr lang="en-US" sz="1300" dirty="0">
+                  <a:latin typeface="Helvetica" charset="0"/>
+                  <a:ea typeface="Helvetica" charset="0"/>
+                  <a:cs typeface="Helvetica" charset="0"/>
+                </a:rPr>
+                <a:t>15</a:t>
+              </a:r>
+            </a:p>
+          </p:txBody>
+        </p:sp>
+        <p:sp>
+          <p:nvSpPr>
+            <p:cNvPr id="410" name="TextBox 409"/>
+            <p:cNvSpPr txBox="1"/>
+            <p:nvPr/>
+          </p:nvSpPr>
+          <p:spPr>
+            <a:xfrm>
+              <a:off x="8015953" y="4814204"/>
+              <a:ext cx="370614" cy="292388"/>
+            </a:xfrm>
+            <a:prstGeom prst="rect">
+              <a:avLst/>
+            </a:prstGeom>
+            <a:noFill/>
+          </p:spPr>
+          <p:txBody>
+            <a:bodyPr wrap="none" rtlCol="0">
+              <a:spAutoFit/>
+            </a:bodyPr>
+            <a:lstStyle/>
+            <a:p>
+              <a:r>
+                <a:rPr lang="en-US" sz="1300">
+                  <a:latin typeface="Helvetica" charset="0"/>
+                  <a:ea typeface="Helvetica" charset="0"/>
+                  <a:cs typeface="Helvetica" charset="0"/>
+                </a:rPr>
+                <a:t>20</a:t>
+              </a:r>
+              <a:endParaRPr lang="en-US" sz="1300" dirty="0">
+                <a:latin typeface="Helvetica" charset="0"/>
+                <a:ea typeface="Helvetica" charset="0"/>
+                <a:cs typeface="Helvetica" charset="0"/>
+              </a:endParaRPr>
+            </a:p>
+          </p:txBody>
+        </p:sp>
+      </p:grpSp>
+      <p:grpSp>
+        <p:nvGrpSpPr>
+          <p:cNvPr id="417" name="Group 416"/>
+          <p:cNvGrpSpPr/>
+          <p:nvPr/>
+        </p:nvGrpSpPr>
+        <p:grpSpPr>
+          <a:xfrm>
+            <a:off x="4167967" y="2887443"/>
+            <a:ext cx="3902803" cy="292388"/>
+            <a:chOff x="4483764" y="4814204"/>
+            <a:chExt cx="3902803" cy="292388"/>
+          </a:xfrm>
+        </p:grpSpPr>
+        <p:sp>
+          <p:nvSpPr>
+            <p:cNvPr id="418" name="TextBox 417"/>
+            <p:cNvSpPr txBox="1"/>
+            <p:nvPr/>
+          </p:nvSpPr>
+          <p:spPr>
+            <a:xfrm>
+              <a:off x="4483764" y="4814204"/>
+              <a:ext cx="277640" cy="292388"/>
+            </a:xfrm>
+            <a:prstGeom prst="rect">
+              <a:avLst/>
+            </a:prstGeom>
+            <a:noFill/>
+          </p:spPr>
+          <p:txBody>
+            <a:bodyPr wrap="none" rtlCol="0">
+              <a:spAutoFit/>
+            </a:bodyPr>
+            <a:lstStyle/>
+            <a:p>
+              <a:r>
+                <a:rPr lang="en-US" sz="1300" dirty="0">
+                  <a:latin typeface="Helvetica" charset="0"/>
+                  <a:ea typeface="Helvetica" charset="0"/>
+                  <a:cs typeface="Helvetica" charset="0"/>
+                </a:rPr>
+                <a:t>0</a:t>
+              </a:r>
+            </a:p>
+          </p:txBody>
+        </p:sp>
+        <p:sp>
+          <p:nvSpPr>
+            <p:cNvPr id="419" name="TextBox 418"/>
+            <p:cNvSpPr txBox="1"/>
+            <p:nvPr/>
+          </p:nvSpPr>
+          <p:spPr>
+            <a:xfrm>
+              <a:off x="5367622" y="4814204"/>
+              <a:ext cx="277640" cy="292388"/>
+            </a:xfrm>
+            <a:prstGeom prst="rect">
+              <a:avLst/>
+            </a:prstGeom>
+            <a:noFill/>
+          </p:spPr>
+          <p:txBody>
+            <a:bodyPr wrap="none" rtlCol="0">
+              <a:spAutoFit/>
+            </a:bodyPr>
+            <a:lstStyle/>
+            <a:p>
+              <a:r>
+                <a:rPr lang="en-US" sz="1300" dirty="0">
+                  <a:latin typeface="Helvetica" charset="0"/>
+                  <a:ea typeface="Helvetica" charset="0"/>
+                  <a:cs typeface="Helvetica" charset="0"/>
+                </a:rPr>
+                <a:t>5</a:t>
+              </a:r>
+            </a:p>
+          </p:txBody>
+        </p:sp>
+        <p:sp>
+          <p:nvSpPr>
+            <p:cNvPr id="420" name="TextBox 419"/>
+            <p:cNvSpPr txBox="1"/>
+            <p:nvPr/>
+          </p:nvSpPr>
+          <p:spPr>
+            <a:xfrm>
+              <a:off x="6235714" y="4814204"/>
+              <a:ext cx="370614" cy="292388"/>
+            </a:xfrm>
+            <a:prstGeom prst="rect">
+              <a:avLst/>
+            </a:prstGeom>
+            <a:noFill/>
+          </p:spPr>
+          <p:txBody>
+            <a:bodyPr wrap="none" rtlCol="0">
+              <a:spAutoFit/>
+            </a:bodyPr>
+            <a:lstStyle/>
+            <a:p>
+              <a:r>
+                <a:rPr lang="en-US" sz="1300" dirty="0">
+                  <a:latin typeface="Helvetica" charset="0"/>
+                  <a:ea typeface="Helvetica" charset="0"/>
+                  <a:cs typeface="Helvetica" charset="0"/>
+                </a:rPr>
+                <a:t>10</a:t>
+              </a:r>
+            </a:p>
+          </p:txBody>
+        </p:sp>
+        <p:sp>
+          <p:nvSpPr>
+            <p:cNvPr id="421" name="TextBox 420"/>
+            <p:cNvSpPr txBox="1"/>
+            <p:nvPr/>
+          </p:nvSpPr>
+          <p:spPr>
+            <a:xfrm>
+              <a:off x="7141599" y="4814204"/>
+              <a:ext cx="370614" cy="292388"/>
+            </a:xfrm>
+            <a:prstGeom prst="rect">
+              <a:avLst/>
+            </a:prstGeom>
+            <a:noFill/>
+          </p:spPr>
+          <p:txBody>
+            <a:bodyPr wrap="none" rtlCol="0">
+              <a:spAutoFit/>
+            </a:bodyPr>
+            <a:lstStyle/>
+            <a:p>
+              <a:r>
+                <a:rPr lang="en-US" sz="1300" dirty="0">
+                  <a:latin typeface="Helvetica" charset="0"/>
+                  <a:ea typeface="Helvetica" charset="0"/>
+                  <a:cs typeface="Helvetica" charset="0"/>
+                </a:rPr>
+                <a:t>15</a:t>
+              </a:r>
+            </a:p>
+          </p:txBody>
+        </p:sp>
+        <p:sp>
+          <p:nvSpPr>
+            <p:cNvPr id="422" name="TextBox 421"/>
+            <p:cNvSpPr txBox="1"/>
+            <p:nvPr/>
+          </p:nvSpPr>
+          <p:spPr>
+            <a:xfrm>
+              <a:off x="8015953" y="4814204"/>
+              <a:ext cx="370614" cy="292388"/>
+            </a:xfrm>
+            <a:prstGeom prst="rect">
+              <a:avLst/>
+            </a:prstGeom>
+            <a:noFill/>
+          </p:spPr>
+          <p:txBody>
+            <a:bodyPr wrap="none" rtlCol="0">
+              <a:spAutoFit/>
+            </a:bodyPr>
+            <a:lstStyle/>
+            <a:p>
+              <a:r>
+                <a:rPr lang="en-US" sz="1300">
+                  <a:latin typeface="Helvetica" charset="0"/>
+                  <a:ea typeface="Helvetica" charset="0"/>
+                  <a:cs typeface="Helvetica" charset="0"/>
+                </a:rPr>
+                <a:t>20</a:t>
+              </a:r>
+              <a:endParaRPr lang="en-US" sz="1300" dirty="0">
+                <a:latin typeface="Helvetica" charset="0"/>
+                <a:ea typeface="Helvetica" charset="0"/>
+                <a:cs typeface="Helvetica" charset="0"/>
+              </a:endParaRPr>
+            </a:p>
+          </p:txBody>
+        </p:sp>
+      </p:grpSp>
+      <p:grpSp>
+        <p:nvGrpSpPr>
+          <p:cNvPr id="423" name="Group 422"/>
+          <p:cNvGrpSpPr/>
+          <p:nvPr/>
+        </p:nvGrpSpPr>
+        <p:grpSpPr>
+          <a:xfrm>
+            <a:off x="3959352" y="-55989"/>
+            <a:ext cx="333746" cy="1592991"/>
+            <a:chOff x="492957" y="1516374"/>
+            <a:chExt cx="333746" cy="1592991"/>
+          </a:xfrm>
+        </p:grpSpPr>
+        <p:sp>
+          <p:nvSpPr>
+            <p:cNvPr id="424" name="TextBox 423"/>
+            <p:cNvSpPr txBox="1"/>
+            <p:nvPr/>
+          </p:nvSpPr>
+          <p:spPr>
+            <a:xfrm>
+              <a:off x="549063" y="2156402"/>
+              <a:ext cx="277640" cy="292388"/>
+            </a:xfrm>
+            <a:prstGeom prst="rect">
+              <a:avLst/>
+            </a:prstGeom>
+            <a:noFill/>
+          </p:spPr>
+          <p:txBody>
+            <a:bodyPr wrap="none" rtlCol="0">
+              <a:spAutoFit/>
+            </a:bodyPr>
+            <a:lstStyle/>
+            <a:p>
+              <a:pPr algn="r"/>
+              <a:r>
+                <a:rPr lang="en-US" sz="1300" dirty="0">
+                  <a:latin typeface="Helvetica" charset="0"/>
+                  <a:ea typeface="Helvetica" charset="0"/>
+                  <a:cs typeface="Helvetica" charset="0"/>
+                </a:rPr>
+                <a:t>0</a:t>
+              </a:r>
+            </a:p>
+          </p:txBody>
+        </p:sp>
+        <p:sp>
+          <p:nvSpPr>
+            <p:cNvPr id="425" name="TextBox 424"/>
+            <p:cNvSpPr txBox="1"/>
+            <p:nvPr/>
+          </p:nvSpPr>
+          <p:spPr>
+            <a:xfrm>
+              <a:off x="492957" y="2496964"/>
+              <a:ext cx="333746" cy="292388"/>
+            </a:xfrm>
+            <a:prstGeom prst="rect">
+              <a:avLst/>
+            </a:prstGeom>
+            <a:noFill/>
+          </p:spPr>
+          <p:txBody>
+            <a:bodyPr wrap="none" rtlCol="0">
+              <a:spAutoFit/>
+            </a:bodyPr>
+            <a:lstStyle/>
+            <a:p>
+              <a:pPr algn="r"/>
+              <a:r>
+                <a:rPr lang="en-US" sz="1300">
+                  <a:latin typeface="Helvetica" charset="0"/>
+                  <a:ea typeface="Helvetica" charset="0"/>
+                  <a:cs typeface="Helvetica" charset="0"/>
+                </a:rPr>
+                <a:t>-2</a:t>
+              </a:r>
+            </a:p>
+          </p:txBody>
+        </p:sp>
+        <p:sp>
+          <p:nvSpPr>
+            <p:cNvPr id="426" name="TextBox 425"/>
+            <p:cNvSpPr txBox="1"/>
+            <p:nvPr/>
+          </p:nvSpPr>
+          <p:spPr>
+            <a:xfrm>
+              <a:off x="492957" y="2816977"/>
+              <a:ext cx="333746" cy="292388"/>
+            </a:xfrm>
+            <a:prstGeom prst="rect">
+              <a:avLst/>
+            </a:prstGeom>
+            <a:noFill/>
+          </p:spPr>
+          <p:txBody>
+            <a:bodyPr wrap="none" rtlCol="0">
+              <a:spAutoFit/>
+            </a:bodyPr>
+            <a:lstStyle/>
+            <a:p>
+              <a:pPr algn="r"/>
+              <a:r>
+                <a:rPr lang="en-US" sz="1300" dirty="0">
+                  <a:latin typeface="Helvetica" charset="0"/>
+                  <a:ea typeface="Helvetica" charset="0"/>
+                  <a:cs typeface="Helvetica" charset="0"/>
+                </a:rPr>
+                <a:t>-4</a:t>
+              </a:r>
+            </a:p>
+          </p:txBody>
+        </p:sp>
+        <p:sp>
+          <p:nvSpPr>
+            <p:cNvPr id="427" name="TextBox 426"/>
+            <p:cNvSpPr txBox="1"/>
+            <p:nvPr/>
+          </p:nvSpPr>
+          <p:spPr>
+            <a:xfrm>
+              <a:off x="549063" y="1516374"/>
+              <a:ext cx="277640" cy="292388"/>
+            </a:xfrm>
+            <a:prstGeom prst="rect">
+              <a:avLst/>
+            </a:prstGeom>
+            <a:noFill/>
+          </p:spPr>
+          <p:txBody>
+            <a:bodyPr wrap="none" rtlCol="0">
+              <a:spAutoFit/>
+            </a:bodyPr>
+            <a:lstStyle/>
+            <a:p>
+              <a:pPr algn="r"/>
+              <a:r>
+                <a:rPr lang="en-US" sz="1300" dirty="0">
+                  <a:latin typeface="Helvetica" charset="0"/>
+                  <a:ea typeface="Helvetica" charset="0"/>
+                  <a:cs typeface="Helvetica" charset="0"/>
+                </a:rPr>
+                <a:t>4</a:t>
+              </a:r>
+            </a:p>
+          </p:txBody>
+        </p:sp>
+        <p:sp>
+          <p:nvSpPr>
+            <p:cNvPr id="428" name="TextBox 427"/>
+            <p:cNvSpPr txBox="1"/>
+            <p:nvPr/>
+          </p:nvSpPr>
+          <p:spPr>
+            <a:xfrm>
+              <a:off x="549063" y="1815840"/>
+              <a:ext cx="277640" cy="292388"/>
+            </a:xfrm>
+            <a:prstGeom prst="rect">
+              <a:avLst/>
+            </a:prstGeom>
+            <a:noFill/>
+          </p:spPr>
+          <p:txBody>
+            <a:bodyPr wrap="none" rtlCol="0">
+              <a:spAutoFit/>
+            </a:bodyPr>
+            <a:lstStyle/>
+            <a:p>
+              <a:pPr algn="r"/>
+              <a:r>
+                <a:rPr lang="en-US" sz="1300" dirty="0">
+                  <a:latin typeface="Helvetica" charset="0"/>
+                  <a:ea typeface="Helvetica" charset="0"/>
+                  <a:cs typeface="Helvetica" charset="0"/>
+                </a:rPr>
+                <a:t>2</a:t>
+              </a:r>
+            </a:p>
+          </p:txBody>
+        </p:sp>
+      </p:grpSp>
+      <p:grpSp>
+        <p:nvGrpSpPr>
+          <p:cNvPr id="455" name="Group 454"/>
+          <p:cNvGrpSpPr/>
+          <p:nvPr/>
+        </p:nvGrpSpPr>
+        <p:grpSpPr>
+          <a:xfrm>
+            <a:off x="4255442" y="36702"/>
+            <a:ext cx="3695027" cy="1396877"/>
+            <a:chOff x="758497" y="1596989"/>
+            <a:chExt cx="3695027" cy="1396877"/>
+          </a:xfrm>
+        </p:grpSpPr>
+        <p:grpSp>
+          <p:nvGrpSpPr>
+            <p:cNvPr id="456" name="Group 455"/>
+            <p:cNvGrpSpPr/>
+            <p:nvPr/>
+          </p:nvGrpSpPr>
+          <p:grpSpPr>
+            <a:xfrm>
+              <a:off x="758497" y="1596989"/>
+              <a:ext cx="47339" cy="1396131"/>
+              <a:chOff x="8537448" y="2183518"/>
+              <a:chExt cx="265176" cy="768872"/>
+            </a:xfrm>
+          </p:grpSpPr>
+          <p:cxnSp>
+            <p:nvCxnSpPr>
+              <p:cNvPr id="463" name="Straight Connector 462"/>
+              <p:cNvCxnSpPr/>
+              <p:nvPr/>
+            </p:nvCxnSpPr>
+            <p:spPr>
+              <a:xfrm>
+                <a:off x="8537448" y="2183518"/>
+                <a:ext cx="265176" cy="0"/>
+              </a:xfrm>
+              <a:prstGeom prst="line">
+                <a:avLst/>
+              </a:prstGeom>
+              <a:ln w="22225">
+                <a:solidFill>
+                  <a:schemeClr val="tx1"/>
+                </a:solidFill>
+              </a:ln>
+            </p:spPr>
+            <p:style>
+              <a:lnRef idx="1">
+                <a:schemeClr val="accent1"/>
+              </a:lnRef>
+              <a:fillRef idx="0">
+                <a:schemeClr val="accent1"/>
+              </a:fillRef>
+              <a:effectRef idx="0">
+                <a:schemeClr val="accent1"/>
+              </a:effectRef>
+              <a:fontRef idx="minor">
+                <a:schemeClr val="tx1"/>
+              </a:fontRef>
+            </p:style>
+          </p:cxnSp>
+          <p:cxnSp>
+            <p:nvCxnSpPr>
+              <p:cNvPr id="464" name="Straight Connector 463"/>
+              <p:cNvCxnSpPr/>
+              <p:nvPr/>
+            </p:nvCxnSpPr>
+            <p:spPr>
+              <a:xfrm>
+                <a:off x="8537448" y="2375736"/>
+                <a:ext cx="265176" cy="0"/>
+              </a:xfrm>
+              <a:prstGeom prst="line">
+                <a:avLst/>
+              </a:prstGeom>
+              <a:ln w="22225">
+                <a:solidFill>
+                  <a:schemeClr val="tx1"/>
+                </a:solidFill>
+              </a:ln>
+            </p:spPr>
+            <p:style>
+              <a:lnRef idx="1">
+                <a:schemeClr val="accent1"/>
+              </a:lnRef>
+              <a:fillRef idx="0">
+                <a:schemeClr val="accent1"/>
+              </a:fillRef>
+              <a:effectRef idx="0">
+                <a:schemeClr val="accent1"/>
+              </a:effectRef>
+              <a:fontRef idx="minor">
+                <a:schemeClr val="tx1"/>
+              </a:fontRef>
+            </p:style>
+          </p:cxnSp>
+          <p:cxnSp>
+            <p:nvCxnSpPr>
+              <p:cNvPr id="465" name="Straight Connector 464"/>
+              <p:cNvCxnSpPr/>
+              <p:nvPr/>
+            </p:nvCxnSpPr>
+            <p:spPr>
+              <a:xfrm>
+                <a:off x="8537448" y="2567954"/>
+                <a:ext cx="265176" cy="0"/>
+              </a:xfrm>
+              <a:prstGeom prst="line">
+                <a:avLst/>
+              </a:prstGeom>
+              <a:ln w="22225">
+                <a:solidFill>
+                  <a:schemeClr val="tx1"/>
+                </a:solidFill>
+              </a:ln>
+            </p:spPr>
+            <p:style>
+              <a:lnRef idx="1">
+                <a:schemeClr val="accent1"/>
+              </a:lnRef>
+              <a:fillRef idx="0">
+                <a:schemeClr val="accent1"/>
+              </a:fillRef>
+              <a:effectRef idx="0">
+                <a:schemeClr val="accent1"/>
+              </a:effectRef>
+              <a:fontRef idx="minor">
+                <a:schemeClr val="tx1"/>
+              </a:fontRef>
+            </p:style>
+          </p:cxnSp>
+          <p:cxnSp>
+            <p:nvCxnSpPr>
+              <p:cNvPr id="466" name="Straight Connector 465"/>
+              <p:cNvCxnSpPr/>
+              <p:nvPr/>
+            </p:nvCxnSpPr>
+            <p:spPr>
+              <a:xfrm>
+                <a:off x="8537448" y="2760172"/>
+                <a:ext cx="265176" cy="0"/>
+              </a:xfrm>
+              <a:prstGeom prst="line">
+                <a:avLst/>
+              </a:prstGeom>
+              <a:ln w="22225">
+                <a:solidFill>
+                  <a:schemeClr val="tx1"/>
+                </a:solidFill>
+              </a:ln>
+            </p:spPr>
+            <p:style>
+              <a:lnRef idx="1">
+                <a:schemeClr val="accent1"/>
+              </a:lnRef>
+              <a:fillRef idx="0">
+                <a:schemeClr val="accent1"/>
+              </a:fillRef>
+              <a:effectRef idx="0">
+                <a:schemeClr val="accent1"/>
+              </a:effectRef>
+              <a:fontRef idx="minor">
+                <a:schemeClr val="tx1"/>
+              </a:fontRef>
+            </p:style>
+          </p:cxnSp>
+          <p:cxnSp>
+            <p:nvCxnSpPr>
+              <p:cNvPr id="467" name="Straight Connector 466"/>
+              <p:cNvCxnSpPr/>
+              <p:nvPr/>
+            </p:nvCxnSpPr>
+            <p:spPr>
+              <a:xfrm>
+                <a:off x="8537448" y="2952390"/>
+                <a:ext cx="265176" cy="0"/>
+              </a:xfrm>
+              <a:prstGeom prst="line">
+                <a:avLst/>
+              </a:prstGeom>
+              <a:ln w="22225">
+                <a:solidFill>
+                  <a:schemeClr val="tx1"/>
+                </a:solidFill>
+              </a:ln>
+            </p:spPr>
+            <p:style>
+              <a:lnRef idx="1">
+                <a:schemeClr val="accent1"/>
+              </a:lnRef>
+              <a:fillRef idx="0">
+                <a:schemeClr val="accent1"/>
+              </a:fillRef>
+              <a:effectRef idx="0">
+                <a:schemeClr val="accent1"/>
+              </a:effectRef>
+              <a:fontRef idx="minor">
+                <a:schemeClr val="tx1"/>
+              </a:fontRef>
+            </p:style>
+          </p:cxnSp>
+        </p:grpSp>
+        <p:grpSp>
+          <p:nvGrpSpPr>
+            <p:cNvPr id="457" name="Group 456"/>
+            <p:cNvGrpSpPr/>
+            <p:nvPr/>
+          </p:nvGrpSpPr>
+          <p:grpSpPr>
+            <a:xfrm>
+              <a:off x="761528" y="2947483"/>
+              <a:ext cx="3691996" cy="46383"/>
+              <a:chOff x="1957787" y="5948602"/>
+              <a:chExt cx="3658818" cy="45720"/>
+            </a:xfrm>
+          </p:grpSpPr>
+          <p:cxnSp>
+            <p:nvCxnSpPr>
+              <p:cNvPr id="458" name="Straight Connector 457"/>
+              <p:cNvCxnSpPr/>
+              <p:nvPr/>
+            </p:nvCxnSpPr>
+            <p:spPr>
+              <a:xfrm>
+                <a:off x="5616605" y="5948602"/>
+                <a:ext cx="0" cy="45720"/>
+              </a:xfrm>
+              <a:prstGeom prst="line">
+                <a:avLst/>
+              </a:prstGeom>
+              <a:ln w="22225">
+                <a:solidFill>
+                  <a:schemeClr val="tx1"/>
+                </a:solidFill>
+              </a:ln>
+            </p:spPr>
+            <p:style>
+              <a:lnRef idx="1">
+                <a:schemeClr val="accent1"/>
+              </a:lnRef>
+              <a:fillRef idx="0">
+                <a:schemeClr val="accent1"/>
+              </a:fillRef>
+              <a:effectRef idx="0">
+                <a:schemeClr val="accent1"/>
+              </a:effectRef>
+              <a:fontRef idx="minor">
+                <a:schemeClr val="tx1"/>
+              </a:fontRef>
+            </p:style>
+          </p:cxnSp>
+          <p:cxnSp>
+            <p:nvCxnSpPr>
+              <p:cNvPr id="459" name="Straight Connector 458"/>
+              <p:cNvCxnSpPr/>
+              <p:nvPr/>
+            </p:nvCxnSpPr>
+            <p:spPr>
+              <a:xfrm>
+                <a:off x="1957787" y="5948602"/>
+                <a:ext cx="0" cy="45720"/>
+              </a:xfrm>
+              <a:prstGeom prst="line">
+                <a:avLst/>
+              </a:prstGeom>
+              <a:ln w="22225">
+                <a:solidFill>
+                  <a:schemeClr val="tx1"/>
+                </a:solidFill>
+              </a:ln>
+            </p:spPr>
+            <p:style>
+              <a:lnRef idx="1">
+                <a:schemeClr val="accent1"/>
+              </a:lnRef>
+              <a:fillRef idx="0">
+                <a:schemeClr val="accent1"/>
+              </a:fillRef>
+              <a:effectRef idx="0">
+                <a:schemeClr val="accent1"/>
+              </a:effectRef>
+              <a:fontRef idx="minor">
+                <a:schemeClr val="tx1"/>
+              </a:fontRef>
+            </p:style>
+          </p:cxnSp>
+          <p:cxnSp>
+            <p:nvCxnSpPr>
+              <p:cNvPr id="460" name="Straight Connector 459"/>
+              <p:cNvCxnSpPr/>
+              <p:nvPr/>
+            </p:nvCxnSpPr>
+            <p:spPr>
+              <a:xfrm>
+                <a:off x="2872492" y="5948602"/>
+                <a:ext cx="0" cy="45720"/>
+              </a:xfrm>
+              <a:prstGeom prst="line">
+                <a:avLst/>
+              </a:prstGeom>
+              <a:ln w="22225">
+                <a:solidFill>
+                  <a:schemeClr val="tx1"/>
+                </a:solidFill>
+              </a:ln>
+            </p:spPr>
+            <p:style>
+              <a:lnRef idx="1">
+                <a:schemeClr val="accent1"/>
+              </a:lnRef>
+              <a:fillRef idx="0">
+                <a:schemeClr val="accent1"/>
+              </a:fillRef>
+              <a:effectRef idx="0">
+                <a:schemeClr val="accent1"/>
+              </a:effectRef>
+              <a:fontRef idx="minor">
+                <a:schemeClr val="tx1"/>
+              </a:fontRef>
+            </p:style>
+          </p:cxnSp>
+          <p:cxnSp>
+            <p:nvCxnSpPr>
+              <p:cNvPr id="461" name="Straight Connector 460"/>
+              <p:cNvCxnSpPr/>
+              <p:nvPr/>
+            </p:nvCxnSpPr>
+            <p:spPr>
+              <a:xfrm>
+                <a:off x="3787197" y="5948602"/>
+                <a:ext cx="0" cy="45720"/>
+              </a:xfrm>
+              <a:prstGeom prst="line">
+                <a:avLst/>
+              </a:prstGeom>
+              <a:ln w="22225">
+                <a:solidFill>
+                  <a:schemeClr val="tx1"/>
+                </a:solidFill>
+              </a:ln>
+            </p:spPr>
+            <p:style>
+              <a:lnRef idx="1">
+                <a:schemeClr val="accent1"/>
+              </a:lnRef>
+              <a:fillRef idx="0">
+                <a:schemeClr val="accent1"/>
+              </a:fillRef>
+              <a:effectRef idx="0">
+                <a:schemeClr val="accent1"/>
+              </a:effectRef>
+              <a:fontRef idx="minor">
+                <a:schemeClr val="tx1"/>
+              </a:fontRef>
+            </p:style>
+          </p:cxnSp>
+          <p:cxnSp>
+            <p:nvCxnSpPr>
+              <p:cNvPr id="462" name="Straight Connector 461"/>
+              <p:cNvCxnSpPr/>
+              <p:nvPr/>
+            </p:nvCxnSpPr>
+            <p:spPr>
+              <a:xfrm>
+                <a:off x="4701902" y="5948602"/>
+                <a:ext cx="0" cy="45720"/>
+              </a:xfrm>
+              <a:prstGeom prst="line">
+                <a:avLst/>
+              </a:prstGeom>
+              <a:ln w="22225">
+                <a:solidFill>
+                  <a:schemeClr val="tx1"/>
+                </a:solidFill>
+              </a:ln>
+            </p:spPr>
+            <p:style>
+              <a:lnRef idx="1">
+                <a:schemeClr val="accent1"/>
+              </a:lnRef>
+              <a:fillRef idx="0">
+                <a:schemeClr val="accent1"/>
+              </a:fillRef>
+              <a:effectRef idx="0">
+                <a:schemeClr val="accent1"/>
+              </a:effectRef>
+              <a:fontRef idx="minor">
+                <a:schemeClr val="tx1"/>
+              </a:fontRef>
+            </p:style>
+          </p:cxnSp>
+        </p:grpSp>
+      </p:grpSp>
+      <p:grpSp>
+        <p:nvGrpSpPr>
+          <p:cNvPr id="468" name="Group 467"/>
+          <p:cNvGrpSpPr/>
+          <p:nvPr/>
+        </p:nvGrpSpPr>
+        <p:grpSpPr>
+          <a:xfrm>
+            <a:off x="4255442" y="1525553"/>
+            <a:ext cx="3695027" cy="1396877"/>
+            <a:chOff x="758497" y="1596989"/>
+            <a:chExt cx="3695027" cy="1396877"/>
+          </a:xfrm>
+        </p:grpSpPr>
+        <p:grpSp>
+          <p:nvGrpSpPr>
+            <p:cNvPr id="469" name="Group 468"/>
+            <p:cNvGrpSpPr/>
+            <p:nvPr/>
+          </p:nvGrpSpPr>
+          <p:grpSpPr>
+            <a:xfrm>
+              <a:off x="758497" y="1596989"/>
+              <a:ext cx="47339" cy="1396131"/>
+              <a:chOff x="8537448" y="2183518"/>
+              <a:chExt cx="265176" cy="768872"/>
+            </a:xfrm>
+          </p:grpSpPr>
+          <p:cxnSp>
+            <p:nvCxnSpPr>
+              <p:cNvPr id="476" name="Straight Connector 475"/>
+              <p:cNvCxnSpPr/>
+              <p:nvPr/>
+            </p:nvCxnSpPr>
+            <p:spPr>
+              <a:xfrm>
+                <a:off x="8537448" y="2183518"/>
+                <a:ext cx="265176" cy="0"/>
+              </a:xfrm>
+              <a:prstGeom prst="line">
+                <a:avLst/>
+              </a:prstGeom>
+              <a:ln w="22225">
+                <a:solidFill>
+                  <a:schemeClr val="tx1"/>
+                </a:solidFill>
+              </a:ln>
+            </p:spPr>
+            <p:style>
+              <a:lnRef idx="1">
+                <a:schemeClr val="accent1"/>
+              </a:lnRef>
+              <a:fillRef idx="0">
+                <a:schemeClr val="accent1"/>
+              </a:fillRef>
+              <a:effectRef idx="0">
+                <a:schemeClr val="accent1"/>
+              </a:effectRef>
+              <a:fontRef idx="minor">
+                <a:schemeClr val="tx1"/>
+              </a:fontRef>
+            </p:style>
+          </p:cxnSp>
+          <p:cxnSp>
+            <p:nvCxnSpPr>
+              <p:cNvPr id="477" name="Straight Connector 476"/>
+              <p:cNvCxnSpPr/>
+              <p:nvPr/>
+            </p:nvCxnSpPr>
+            <p:spPr>
+              <a:xfrm>
+                <a:off x="8537448" y="2375736"/>
+                <a:ext cx="265176" cy="0"/>
+              </a:xfrm>
+              <a:prstGeom prst="line">
+                <a:avLst/>
+              </a:prstGeom>
+              <a:ln w="22225">
+                <a:solidFill>
+                  <a:schemeClr val="tx1"/>
+                </a:solidFill>
+              </a:ln>
+            </p:spPr>
+            <p:style>
+              <a:lnRef idx="1">
+                <a:schemeClr val="accent1"/>
+              </a:lnRef>
+              <a:fillRef idx="0">
+                <a:schemeClr val="accent1"/>
+              </a:fillRef>
+              <a:effectRef idx="0">
+                <a:schemeClr val="accent1"/>
+              </a:effectRef>
+              <a:fontRef idx="minor">
+                <a:schemeClr val="tx1"/>
+              </a:fontRef>
+            </p:style>
+          </p:cxnSp>
+          <p:cxnSp>
+            <p:nvCxnSpPr>
+              <p:cNvPr id="478" name="Straight Connector 477"/>
+              <p:cNvCxnSpPr/>
+              <p:nvPr/>
+            </p:nvCxnSpPr>
+            <p:spPr>
+              <a:xfrm>
+                <a:off x="8537448" y="2567954"/>
+                <a:ext cx="265176" cy="0"/>
+              </a:xfrm>
+              <a:prstGeom prst="line">
+                <a:avLst/>
+              </a:prstGeom>
+              <a:ln w="22225">
+                <a:solidFill>
+                  <a:schemeClr val="tx1"/>
+                </a:solidFill>
+              </a:ln>
+            </p:spPr>
+            <p:style>
+              <a:lnRef idx="1">
+                <a:schemeClr val="accent1"/>
+              </a:lnRef>
+              <a:fillRef idx="0">
+                <a:schemeClr val="accent1"/>
+              </a:fillRef>
+              <a:effectRef idx="0">
+                <a:schemeClr val="accent1"/>
+              </a:effectRef>
+              <a:fontRef idx="minor">
+                <a:schemeClr val="tx1"/>
+              </a:fontRef>
+            </p:style>
+          </p:cxnSp>
+          <p:cxnSp>
+            <p:nvCxnSpPr>
+              <p:cNvPr id="479" name="Straight Connector 478"/>
+              <p:cNvCxnSpPr/>
+              <p:nvPr/>
+            </p:nvCxnSpPr>
+            <p:spPr>
+              <a:xfrm>
+                <a:off x="8537448" y="2760172"/>
+                <a:ext cx="265176" cy="0"/>
+              </a:xfrm>
+              <a:prstGeom prst="line">
+                <a:avLst/>
+              </a:prstGeom>
+              <a:ln w="22225">
+                <a:solidFill>
+                  <a:schemeClr val="tx1"/>
+                </a:solidFill>
+              </a:ln>
+            </p:spPr>
+            <p:style>
+              <a:lnRef idx="1">
+                <a:schemeClr val="accent1"/>
+              </a:lnRef>
+              <a:fillRef idx="0">
+                <a:schemeClr val="accent1"/>
+              </a:fillRef>
+              <a:effectRef idx="0">
+                <a:schemeClr val="accent1"/>
+              </a:effectRef>
+              <a:fontRef idx="minor">
+                <a:schemeClr val="tx1"/>
+              </a:fontRef>
+            </p:style>
+          </p:cxnSp>
+          <p:cxnSp>
+            <p:nvCxnSpPr>
+              <p:cNvPr id="480" name="Straight Connector 479"/>
+              <p:cNvCxnSpPr/>
+              <p:nvPr/>
+            </p:nvCxnSpPr>
+            <p:spPr>
+              <a:xfrm>
+                <a:off x="8537448" y="2952390"/>
+                <a:ext cx="265176" cy="0"/>
+              </a:xfrm>
+              <a:prstGeom prst="line">
+                <a:avLst/>
+              </a:prstGeom>
+              <a:ln w="22225">
+                <a:solidFill>
+                  <a:schemeClr val="tx1"/>
+                </a:solidFill>
+              </a:ln>
+            </p:spPr>
+            <p:style>
+              <a:lnRef idx="1">
+                <a:schemeClr val="accent1"/>
+              </a:lnRef>
+              <a:fillRef idx="0">
+                <a:schemeClr val="accent1"/>
+              </a:fillRef>
+              <a:effectRef idx="0">
+                <a:schemeClr val="accent1"/>
+              </a:effectRef>
+              <a:fontRef idx="minor">
+                <a:schemeClr val="tx1"/>
+              </a:fontRef>
+            </p:style>
+          </p:cxnSp>
+        </p:grpSp>
+        <p:grpSp>
+          <p:nvGrpSpPr>
+            <p:cNvPr id="470" name="Group 469"/>
+            <p:cNvGrpSpPr/>
+            <p:nvPr/>
+          </p:nvGrpSpPr>
+          <p:grpSpPr>
+            <a:xfrm>
+              <a:off x="761528" y="2947483"/>
+              <a:ext cx="3691996" cy="46383"/>
+              <a:chOff x="1957787" y="5948602"/>
+              <a:chExt cx="3658818" cy="45720"/>
+            </a:xfrm>
+          </p:grpSpPr>
+          <p:cxnSp>
+            <p:nvCxnSpPr>
+              <p:cNvPr id="471" name="Straight Connector 470"/>
+              <p:cNvCxnSpPr/>
+              <p:nvPr/>
+            </p:nvCxnSpPr>
+            <p:spPr>
+              <a:xfrm>
+                <a:off x="5616605" y="5948602"/>
+                <a:ext cx="0" cy="45720"/>
+              </a:xfrm>
+              <a:prstGeom prst="line">
+                <a:avLst/>
+              </a:prstGeom>
+              <a:ln w="22225">
+                <a:solidFill>
+                  <a:schemeClr val="tx1"/>
+                </a:solidFill>
+              </a:ln>
+            </p:spPr>
+            <p:style>
+              <a:lnRef idx="1">
+                <a:schemeClr val="accent1"/>
+              </a:lnRef>
+              <a:fillRef idx="0">
+                <a:schemeClr val="accent1"/>
+              </a:fillRef>
+              <a:effectRef idx="0">
+                <a:schemeClr val="accent1"/>
+              </a:effectRef>
+              <a:fontRef idx="minor">
+                <a:schemeClr val="tx1"/>
+              </a:fontRef>
+            </p:style>
+          </p:cxnSp>
+          <p:cxnSp>
+            <p:nvCxnSpPr>
+              <p:cNvPr id="472" name="Straight Connector 471"/>
+              <p:cNvCxnSpPr/>
+              <p:nvPr/>
+            </p:nvCxnSpPr>
+            <p:spPr>
+              <a:xfrm>
+                <a:off x="1957787" y="5948602"/>
+                <a:ext cx="0" cy="45720"/>
+              </a:xfrm>
+              <a:prstGeom prst="line">
+                <a:avLst/>
+              </a:prstGeom>
+              <a:ln w="22225">
+                <a:solidFill>
+                  <a:schemeClr val="tx1"/>
+                </a:solidFill>
+              </a:ln>
+            </p:spPr>
+            <p:style>
+              <a:lnRef idx="1">
+                <a:schemeClr val="accent1"/>
+              </a:lnRef>
+              <a:fillRef idx="0">
+                <a:schemeClr val="accent1"/>
+              </a:fillRef>
+              <a:effectRef idx="0">
+                <a:schemeClr val="accent1"/>
+              </a:effectRef>
+              <a:fontRef idx="minor">
+                <a:schemeClr val="tx1"/>
+              </a:fontRef>
+            </p:style>
+          </p:cxnSp>
+          <p:cxnSp>
+            <p:nvCxnSpPr>
+              <p:cNvPr id="473" name="Straight Connector 472"/>
+              <p:cNvCxnSpPr/>
+              <p:nvPr/>
+            </p:nvCxnSpPr>
+            <p:spPr>
+              <a:xfrm>
+                <a:off x="2872492" y="5948602"/>
+                <a:ext cx="0" cy="45720"/>
+              </a:xfrm>
+              <a:prstGeom prst="line">
+                <a:avLst/>
+              </a:prstGeom>
+              <a:ln w="22225">
+                <a:solidFill>
+                  <a:schemeClr val="tx1"/>
+                </a:solidFill>
+              </a:ln>
+            </p:spPr>
+            <p:style>
+              <a:lnRef idx="1">
+                <a:schemeClr val="accent1"/>
+              </a:lnRef>
+              <a:fillRef idx="0">
+                <a:schemeClr val="accent1"/>
+              </a:fillRef>
+              <a:effectRef idx="0">
+                <a:schemeClr val="accent1"/>
+              </a:effectRef>
+              <a:fontRef idx="minor">
+                <a:schemeClr val="tx1"/>
+              </a:fontRef>
+            </p:style>
+          </p:cxnSp>
+          <p:cxnSp>
+            <p:nvCxnSpPr>
+              <p:cNvPr id="474" name="Straight Connector 473"/>
+              <p:cNvCxnSpPr/>
+              <p:nvPr/>
+            </p:nvCxnSpPr>
+            <p:spPr>
+              <a:xfrm>
+                <a:off x="3787197" y="5948602"/>
+                <a:ext cx="0" cy="45720"/>
+              </a:xfrm>
+              <a:prstGeom prst="line">
+                <a:avLst/>
+              </a:prstGeom>
+              <a:ln w="22225">
+                <a:solidFill>
+                  <a:schemeClr val="tx1"/>
+                </a:solidFill>
+              </a:ln>
+            </p:spPr>
+            <p:style>
+              <a:lnRef idx="1">
+                <a:schemeClr val="accent1"/>
+              </a:lnRef>
+              <a:fillRef idx="0">
+                <a:schemeClr val="accent1"/>
+              </a:fillRef>
+              <a:effectRef idx="0">
+                <a:schemeClr val="accent1"/>
+              </a:effectRef>
+              <a:fontRef idx="minor">
+                <a:schemeClr val="tx1"/>
+              </a:fontRef>
+            </p:style>
+          </p:cxnSp>
+          <p:cxnSp>
+            <p:nvCxnSpPr>
+              <p:cNvPr id="475" name="Straight Connector 474"/>
+              <p:cNvCxnSpPr/>
+              <p:nvPr/>
+            </p:nvCxnSpPr>
+            <p:spPr>
+              <a:xfrm>
+                <a:off x="4701902" y="5948602"/>
+                <a:ext cx="0" cy="45720"/>
+              </a:xfrm>
+              <a:prstGeom prst="line">
+                <a:avLst/>
+              </a:prstGeom>
+              <a:ln w="22225">
+                <a:solidFill>
+                  <a:schemeClr val="tx1"/>
+                </a:solidFill>
+              </a:ln>
+            </p:spPr>
+            <p:style>
+              <a:lnRef idx="1">
+                <a:schemeClr val="accent1"/>
+              </a:lnRef>
+              <a:fillRef idx="0">
+                <a:schemeClr val="accent1"/>
+              </a:fillRef>
+              <a:effectRef idx="0">
+                <a:schemeClr val="accent1"/>
+              </a:effectRef>
+              <a:fontRef idx="minor">
+                <a:schemeClr val="tx1"/>
+              </a:fontRef>
+            </p:style>
+          </p:cxnSp>
+        </p:grpSp>
+      </p:grpSp>
+      <p:sp>
+        <p:nvSpPr>
+          <p:cNvPr id="481" name="TextBox 480"/>
+          <p:cNvSpPr txBox="1"/>
+          <p:nvPr/>
+        </p:nvSpPr>
+        <p:spPr>
+          <a:xfrm rot="16200000">
+            <a:off x="3016133" y="1813301"/>
+            <a:ext cx="1787703" cy="292388"/>
+          </a:xfrm>
+          <a:prstGeom prst="rect">
+            <a:avLst/>
+          </a:prstGeom>
+          <a:noFill/>
+        </p:spPr>
+        <p:txBody>
+          <a:bodyPr wrap="square" rtlCol="0">
+            <a:spAutoFit/>
+          </a:bodyPr>
+          <a:lstStyle/>
+          <a:p>
+            <a:r>
+              <a:rPr lang="en-US" sz="1300" dirty="0"/>
+              <a:t>Distance (mm)</a:t>
+            </a:r>
+          </a:p>
+        </p:txBody>
+      </p:sp>
+      <p:sp>
+        <p:nvSpPr>
+          <p:cNvPr id="482" name="TextBox 481"/>
+          <p:cNvSpPr txBox="1"/>
+          <p:nvPr/>
+        </p:nvSpPr>
+        <p:spPr>
+          <a:xfrm rot="16200000">
+            <a:off x="3028481" y="311906"/>
+            <a:ext cx="1787703" cy="292388"/>
+          </a:xfrm>
+          <a:prstGeom prst="rect">
+            <a:avLst/>
+          </a:prstGeom>
+          <a:noFill/>
+        </p:spPr>
+        <p:txBody>
+          <a:bodyPr wrap="square" rtlCol="0">
+            <a:spAutoFit/>
+          </a:bodyPr>
+          <a:lstStyle/>
+          <a:p>
+            <a:r>
+              <a:rPr lang="en-US" sz="1300" dirty="0"/>
+              <a:t>Distance (mm)</a:t>
+            </a:r>
+          </a:p>
+        </p:txBody>
+      </p:sp>
+      <p:grpSp>
+        <p:nvGrpSpPr>
+          <p:cNvPr id="483" name="Group 482"/>
+          <p:cNvGrpSpPr/>
+          <p:nvPr/>
+        </p:nvGrpSpPr>
+        <p:grpSpPr>
+          <a:xfrm>
+            <a:off x="7980652" y="2990025"/>
+            <a:ext cx="1158801" cy="997095"/>
+            <a:chOff x="8390694" y="3307312"/>
+            <a:chExt cx="1158801" cy="997095"/>
+          </a:xfrm>
+        </p:grpSpPr>
+        <p:sp>
+          <p:nvSpPr>
+            <p:cNvPr id="484" name="Rectangle 483"/>
+            <p:cNvSpPr/>
+            <p:nvPr/>
+          </p:nvSpPr>
+          <p:spPr>
+            <a:xfrm>
+              <a:off x="8390694" y="3309105"/>
+              <a:ext cx="989147" cy="995302"/>
+            </a:xfrm>
+            <a:prstGeom prst="rect">
+              <a:avLst/>
+            </a:prstGeom>
+            <a:noFill/>
+            <a:ln w="28575">
+              <a:noFill/>
+            </a:ln>
+          </p:spPr>
+          <p:style>
+            <a:lnRef idx="2">
+              <a:schemeClr val="accent1">
+                <a:shade val="50000"/>
+              </a:schemeClr>
+            </a:lnRef>
+            <a:fillRef idx="1">
+              <a:schemeClr val="accent1"/>
+            </a:fillRef>
+            <a:effectRef idx="0">
+              <a:schemeClr val="accent1"/>
+            </a:effectRef>
+            <a:fontRef idx="minor">
+              <a:schemeClr val="lt1"/>
+            </a:fontRef>
+          </p:style>
+          <p:txBody>
+            <a:bodyPr rot="0" spcFirstLastPara="0" vertOverflow="overflow" horzOverflow="overflow" vert="horz" wrap="square" lIns="91440" tIns="45720" rIns="91440" bIns="45720" numCol="1" spcCol="0" rtlCol="0" fromWordArt="0" anchor="ctr" anchorCtr="0" forceAA="0" compatLnSpc="1">
+              <a:prstTxWarp prst="textNoShape">
+                <a:avLst/>
+              </a:prstTxWarp>
+              <a:noAutofit/>
+            </a:bodyPr>
+            <a:lstStyle/>
+            <a:p>
+              <a:pPr algn="ctr"/>
+              <a:endParaRPr lang="en-US"/>
+            </a:p>
+          </p:txBody>
+        </p:sp>
+        <p:cxnSp>
+          <p:nvCxnSpPr>
+            <p:cNvPr id="485" name="Straight Connector 484"/>
+            <p:cNvCxnSpPr/>
+            <p:nvPr/>
+          </p:nvCxnSpPr>
+          <p:spPr>
+            <a:xfrm>
+              <a:off x="8503702" y="3470579"/>
+              <a:ext cx="290681" cy="0"/>
+            </a:xfrm>
+            <a:prstGeom prst="line">
+              <a:avLst/>
+            </a:prstGeom>
+            <a:ln w="12700">
+              <a:solidFill>
+                <a:schemeClr val="tx1"/>
+              </a:solidFill>
+            </a:ln>
+          </p:spPr>
+          <p:style>
+            <a:lnRef idx="1">
+              <a:schemeClr val="accent1"/>
+            </a:lnRef>
+            <a:fillRef idx="0">
+              <a:schemeClr val="accent1"/>
+            </a:fillRef>
+            <a:effectRef idx="0">
+              <a:schemeClr val="accent1"/>
+            </a:effectRef>
+            <a:fontRef idx="minor">
+              <a:schemeClr val="tx1"/>
+            </a:fontRef>
+          </p:style>
+        </p:cxnSp>
+        <p:cxnSp>
+          <p:nvCxnSpPr>
+            <p:cNvPr id="486" name="Straight Connector 485"/>
+            <p:cNvCxnSpPr/>
+            <p:nvPr/>
+          </p:nvCxnSpPr>
+          <p:spPr>
+            <a:xfrm>
+              <a:off x="8503702" y="3682011"/>
+              <a:ext cx="290681" cy="0"/>
+            </a:xfrm>
+            <a:prstGeom prst="line">
+              <a:avLst/>
+            </a:prstGeom>
+            <a:ln w="12700">
+              <a:solidFill>
+                <a:schemeClr val="tx1"/>
+              </a:solidFill>
+              <a:prstDash val="dash"/>
+            </a:ln>
+          </p:spPr>
+          <p:style>
+            <a:lnRef idx="1">
+              <a:schemeClr val="accent1"/>
+            </a:lnRef>
+            <a:fillRef idx="0">
+              <a:schemeClr val="accent1"/>
+            </a:fillRef>
+            <a:effectRef idx="0">
+              <a:schemeClr val="accent1"/>
+            </a:effectRef>
+            <a:fontRef idx="minor">
+              <a:schemeClr val="tx1"/>
+            </a:fontRef>
+          </p:style>
+        </p:cxnSp>
+        <p:cxnSp>
+          <p:nvCxnSpPr>
+            <p:cNvPr id="487" name="Straight Connector 486"/>
+            <p:cNvCxnSpPr/>
+            <p:nvPr/>
+          </p:nvCxnSpPr>
+          <p:spPr>
+            <a:xfrm>
+              <a:off x="8503702" y="4104875"/>
+              <a:ext cx="290681" cy="0"/>
+            </a:xfrm>
+            <a:prstGeom prst="line">
+              <a:avLst/>
+            </a:prstGeom>
+            <a:ln w="25400">
+              <a:solidFill>
+                <a:schemeClr val="tx1"/>
+              </a:solidFill>
+              <a:prstDash val="solid"/>
+            </a:ln>
+          </p:spPr>
+          <p:style>
+            <a:lnRef idx="1">
+              <a:schemeClr val="accent1"/>
+            </a:lnRef>
+            <a:fillRef idx="0">
+              <a:schemeClr val="accent1"/>
+            </a:fillRef>
+            <a:effectRef idx="0">
+              <a:schemeClr val="accent1"/>
+            </a:effectRef>
+            <a:fontRef idx="minor">
+              <a:schemeClr val="tx1"/>
+            </a:fontRef>
+          </p:style>
+        </p:cxnSp>
+        <p:cxnSp>
+          <p:nvCxnSpPr>
+            <p:cNvPr id="488" name="Straight Connector 487"/>
+            <p:cNvCxnSpPr/>
+            <p:nvPr/>
+          </p:nvCxnSpPr>
+          <p:spPr>
+            <a:xfrm>
+              <a:off x="8503702" y="3893443"/>
+              <a:ext cx="290681" cy="0"/>
+            </a:xfrm>
+            <a:prstGeom prst="line">
+              <a:avLst/>
+            </a:prstGeom>
+            <a:ln w="12700">
+              <a:solidFill>
+                <a:srgbClr val="FF0000"/>
+              </a:solidFill>
+            </a:ln>
+          </p:spPr>
+          <p:style>
+            <a:lnRef idx="1">
+              <a:schemeClr val="accent1"/>
+            </a:lnRef>
+            <a:fillRef idx="0">
+              <a:schemeClr val="accent1"/>
+            </a:fillRef>
+            <a:effectRef idx="0">
+              <a:schemeClr val="accent1"/>
+            </a:effectRef>
+            <a:fontRef idx="minor">
+              <a:schemeClr val="tx1"/>
+            </a:fontRef>
+          </p:style>
+        </p:cxnSp>
+        <p:cxnSp>
+          <p:nvCxnSpPr>
+            <p:cNvPr id="489" name="Straight Connector 488"/>
+            <p:cNvCxnSpPr/>
+            <p:nvPr/>
+          </p:nvCxnSpPr>
+          <p:spPr>
+            <a:xfrm>
+              <a:off x="8650224" y="4104875"/>
+              <a:ext cx="146304" cy="0"/>
+            </a:xfrm>
+            <a:prstGeom prst="line">
+              <a:avLst/>
+            </a:prstGeom>
+            <a:ln w="25400">
+              <a:solidFill>
+                <a:srgbClr val="FF0000"/>
+              </a:solidFill>
+              <a:prstDash val="solid"/>
+            </a:ln>
+          </p:spPr>
+          <p:style>
+            <a:lnRef idx="1">
+              <a:schemeClr val="accent1"/>
+            </a:lnRef>
+            <a:fillRef idx="0">
+              <a:schemeClr val="accent1"/>
+            </a:fillRef>
+            <a:effectRef idx="0">
+              <a:schemeClr val="accent1"/>
+            </a:effectRef>
+            <a:fontRef idx="minor">
+              <a:schemeClr val="tx1"/>
+            </a:fontRef>
+          </p:style>
+        </p:cxnSp>
+        <p:sp>
+          <p:nvSpPr>
+            <p:cNvPr id="490" name="TextBox 489"/>
+            <p:cNvSpPr txBox="1"/>
+            <p:nvPr/>
+          </p:nvSpPr>
+          <p:spPr>
+            <a:xfrm>
+              <a:off x="8826407" y="3307312"/>
+              <a:ext cx="559559" cy="307777"/>
+            </a:xfrm>
+            <a:prstGeom prst="rect">
+              <a:avLst/>
+            </a:prstGeom>
+            <a:noFill/>
+          </p:spPr>
+          <p:txBody>
+            <a:bodyPr wrap="square" rtlCol="0">
+              <a:spAutoFit/>
+            </a:bodyPr>
+            <a:lstStyle/>
+            <a:p>
+              <a:r>
+                <a:rPr lang="en-US" sz="1400" dirty="0"/>
+                <a:t>A</a:t>
+              </a:r>
+            </a:p>
+          </p:txBody>
+        </p:sp>
+        <p:sp>
+          <p:nvSpPr>
+            <p:cNvPr id="491" name="TextBox 490"/>
+            <p:cNvSpPr txBox="1"/>
+            <p:nvPr/>
+          </p:nvSpPr>
+          <p:spPr>
+            <a:xfrm>
+              <a:off x="8826407" y="3518595"/>
+              <a:ext cx="559559" cy="307777"/>
+            </a:xfrm>
+            <a:prstGeom prst="rect">
+              <a:avLst/>
+            </a:prstGeom>
+            <a:noFill/>
+          </p:spPr>
+          <p:txBody>
+            <a:bodyPr wrap="square" rtlCol="0">
+              <a:spAutoFit/>
+            </a:bodyPr>
+            <a:lstStyle/>
+            <a:p>
+              <a:r>
+                <a:rPr lang="en-US" sz="1400" dirty="0"/>
+                <a:t>A'</a:t>
+              </a:r>
+            </a:p>
+          </p:txBody>
+        </p:sp>
+        <p:sp>
+          <p:nvSpPr>
+            <p:cNvPr id="492" name="TextBox 491"/>
+            <p:cNvSpPr txBox="1"/>
+            <p:nvPr/>
+          </p:nvSpPr>
+          <p:spPr>
+            <a:xfrm>
+              <a:off x="8782863" y="3729878"/>
+              <a:ext cx="559559" cy="307777"/>
+            </a:xfrm>
+            <a:prstGeom prst="rect">
+              <a:avLst/>
+            </a:prstGeom>
+            <a:noFill/>
+          </p:spPr>
+          <p:txBody>
+            <a:bodyPr wrap="square" rtlCol="0">
+              <a:spAutoFit/>
+            </a:bodyPr>
+            <a:lstStyle/>
+            <a:p>
+              <a:r>
+                <a:rPr lang="en-US" sz="1400" dirty="0"/>
+                <a:t>B/C</a:t>
+              </a:r>
+            </a:p>
+          </p:txBody>
+        </p:sp>
+        <p:sp>
+          <p:nvSpPr>
+            <p:cNvPr id="493" name="TextBox 492"/>
+            <p:cNvSpPr txBox="1"/>
+            <p:nvPr/>
+          </p:nvSpPr>
+          <p:spPr>
+            <a:xfrm>
+              <a:off x="8761091" y="3941161"/>
+              <a:ext cx="788404" cy="307777"/>
+            </a:xfrm>
+            <a:prstGeom prst="rect">
+              <a:avLst/>
+            </a:prstGeom>
+            <a:noFill/>
+          </p:spPr>
+          <p:txBody>
+            <a:bodyPr wrap="square" rtlCol="0">
+              <a:spAutoFit/>
+            </a:bodyPr>
+            <a:lstStyle/>
+            <a:p>
+              <a:r>
+                <a:rPr lang="en-US" sz="1400" dirty="0"/>
+                <a:t>Active</a:t>
+              </a:r>
+            </a:p>
+          </p:txBody>
+        </p:sp>
+      </p:grpSp>
+      <p:sp>
+        <p:nvSpPr>
+          <p:cNvPr id="2" name="Rectangle 1"/>
+          <p:cNvSpPr/>
+          <p:nvPr/>
+        </p:nvSpPr>
+        <p:spPr>
+          <a:xfrm>
+            <a:off x="278698" y="3091348"/>
+            <a:ext cx="3941320" cy="2104078"/>
+          </a:xfrm>
+          <a:prstGeom prst="rect">
+            <a:avLst/>
+          </a:prstGeom>
+          <a:solidFill>
+            <a:schemeClr val="bg1"/>
+          </a:solidFill>
+          <a:ln>
+            <a:noFill/>
+          </a:ln>
+        </p:spPr>
+        <p:style>
+          <a:lnRef idx="2">
+            <a:schemeClr val="accent1">
+              <a:shade val="50000"/>
+            </a:schemeClr>
+          </a:lnRef>
+          <a:fillRef idx="1">
+            <a:schemeClr val="accent1"/>
+          </a:fillRef>
+          <a:effectRef idx="0">
+            <a:schemeClr val="accent1"/>
+          </a:effectRef>
+          <a:fontRef idx="minor">
+            <a:schemeClr val="lt1"/>
+          </a:fontRef>
+        </p:style>
+        <p:txBody>
+          <a:bodyPr rtlCol="0" anchor="ctr"/>
+          <a:lstStyle/>
+          <a:p>
+            <a:pPr algn="ctr"/>
+            <a:endParaRPr lang="en-US"/>
+          </a:p>
+        </p:txBody>
+      </p:sp>
+      <p:sp>
+        <p:nvSpPr>
+          <p:cNvPr id="248" name="Rectangle 247"/>
+          <p:cNvSpPr/>
+          <p:nvPr/>
+        </p:nvSpPr>
+        <p:spPr>
+          <a:xfrm>
+            <a:off x="4069957" y="4021239"/>
+            <a:ext cx="3970372" cy="790042"/>
+          </a:xfrm>
+          <a:prstGeom prst="rect">
+            <a:avLst/>
+          </a:prstGeom>
+          <a:solidFill>
+            <a:schemeClr val="bg1"/>
+          </a:solidFill>
+          <a:ln>
+            <a:noFill/>
+          </a:ln>
+        </p:spPr>
+        <p:style>
+          <a:lnRef idx="2">
+            <a:schemeClr val="accent1">
+              <a:shade val="50000"/>
+            </a:schemeClr>
+          </a:lnRef>
+          <a:fillRef idx="1">
+            <a:schemeClr val="accent1"/>
+          </a:fillRef>
+          <a:effectRef idx="0">
+            <a:schemeClr val="accent1"/>
+          </a:effectRef>
+          <a:fontRef idx="minor">
+            <a:schemeClr val="lt1"/>
+          </a:fontRef>
+        </p:style>
+        <p:txBody>
+          <a:bodyPr rtlCol="0" anchor="ctr"/>
+          <a:lstStyle/>
+          <a:p>
+            <a:pPr algn="ctr"/>
+            <a:endParaRPr lang="en-US"/>
+          </a:p>
+        </p:txBody>
+      </p:sp>
+      <p:grpSp>
+        <p:nvGrpSpPr>
+          <p:cNvPr id="399" name="Group 398"/>
+          <p:cNvGrpSpPr/>
+          <p:nvPr/>
+        </p:nvGrpSpPr>
+        <p:grpSpPr>
+          <a:xfrm>
+            <a:off x="4178772" y="3877649"/>
+            <a:ext cx="3902803" cy="292388"/>
+            <a:chOff x="4483764" y="4814204"/>
+            <a:chExt cx="3902803" cy="292388"/>
+          </a:xfrm>
+        </p:grpSpPr>
+        <p:sp>
+          <p:nvSpPr>
+            <p:cNvPr id="400" name="TextBox 399"/>
+            <p:cNvSpPr txBox="1"/>
+            <p:nvPr/>
+          </p:nvSpPr>
+          <p:spPr>
+            <a:xfrm>
+              <a:off x="4483764" y="4814204"/>
+              <a:ext cx="277640" cy="292388"/>
+            </a:xfrm>
+            <a:prstGeom prst="rect">
+              <a:avLst/>
+            </a:prstGeom>
+            <a:noFill/>
+          </p:spPr>
+          <p:txBody>
+            <a:bodyPr wrap="none" rtlCol="0">
+              <a:spAutoFit/>
+            </a:bodyPr>
+            <a:lstStyle/>
+            <a:p>
+              <a:r>
+                <a:rPr lang="en-US" sz="1300" dirty="0">
+                  <a:latin typeface="Helvetica" charset="0"/>
+                  <a:ea typeface="Helvetica" charset="0"/>
+                  <a:cs typeface="Helvetica" charset="0"/>
+                </a:rPr>
+                <a:t>0</a:t>
+              </a:r>
+            </a:p>
+          </p:txBody>
+        </p:sp>
+        <p:sp>
+          <p:nvSpPr>
+            <p:cNvPr id="401" name="TextBox 400"/>
+            <p:cNvSpPr txBox="1"/>
+            <p:nvPr/>
+          </p:nvSpPr>
+          <p:spPr>
+            <a:xfrm>
+              <a:off x="5367622" y="4814204"/>
+              <a:ext cx="277640" cy="292388"/>
+            </a:xfrm>
+            <a:prstGeom prst="rect">
+              <a:avLst/>
+            </a:prstGeom>
+            <a:noFill/>
+          </p:spPr>
+          <p:txBody>
+            <a:bodyPr wrap="none" rtlCol="0">
+              <a:spAutoFit/>
+            </a:bodyPr>
+            <a:lstStyle/>
+            <a:p>
+              <a:r>
+                <a:rPr lang="en-US" sz="1300" dirty="0">
+                  <a:latin typeface="Helvetica" charset="0"/>
+                  <a:ea typeface="Helvetica" charset="0"/>
+                  <a:cs typeface="Helvetica" charset="0"/>
+                </a:rPr>
+                <a:t>5</a:t>
+              </a:r>
+            </a:p>
+          </p:txBody>
+        </p:sp>
+        <p:sp>
+          <p:nvSpPr>
+            <p:cNvPr id="402" name="TextBox 401"/>
+            <p:cNvSpPr txBox="1"/>
+            <p:nvPr/>
+          </p:nvSpPr>
+          <p:spPr>
+            <a:xfrm>
+              <a:off x="6235714" y="4814204"/>
+              <a:ext cx="370614" cy="292388"/>
+            </a:xfrm>
+            <a:prstGeom prst="rect">
+              <a:avLst/>
+            </a:prstGeom>
+            <a:noFill/>
+          </p:spPr>
+          <p:txBody>
+            <a:bodyPr wrap="none" rtlCol="0">
+              <a:spAutoFit/>
+            </a:bodyPr>
+            <a:lstStyle/>
+            <a:p>
+              <a:r>
+                <a:rPr lang="en-US" sz="1300" dirty="0">
+                  <a:latin typeface="Helvetica" charset="0"/>
+                  <a:ea typeface="Helvetica" charset="0"/>
+                  <a:cs typeface="Helvetica" charset="0"/>
+                </a:rPr>
+                <a:t>10</a:t>
+              </a:r>
+            </a:p>
+          </p:txBody>
+        </p:sp>
+        <p:sp>
+          <p:nvSpPr>
+            <p:cNvPr id="403" name="TextBox 402"/>
+            <p:cNvSpPr txBox="1"/>
+            <p:nvPr/>
+          </p:nvSpPr>
+          <p:spPr>
+            <a:xfrm>
+              <a:off x="7141599" y="4814204"/>
+              <a:ext cx="370614" cy="292388"/>
+            </a:xfrm>
+            <a:prstGeom prst="rect">
+              <a:avLst/>
+            </a:prstGeom>
+            <a:noFill/>
+          </p:spPr>
+          <p:txBody>
+            <a:bodyPr wrap="none" rtlCol="0">
+              <a:spAutoFit/>
+            </a:bodyPr>
+            <a:lstStyle/>
+            <a:p>
+              <a:r>
+                <a:rPr lang="en-US" sz="1300" dirty="0">
+                  <a:latin typeface="Helvetica" charset="0"/>
+                  <a:ea typeface="Helvetica" charset="0"/>
+                  <a:cs typeface="Helvetica" charset="0"/>
+                </a:rPr>
+                <a:t>15</a:t>
+              </a:r>
+            </a:p>
+          </p:txBody>
+        </p:sp>
+        <p:sp>
+          <p:nvSpPr>
+            <p:cNvPr id="404" name="TextBox 403"/>
+            <p:cNvSpPr txBox="1"/>
+            <p:nvPr/>
+          </p:nvSpPr>
+          <p:spPr>
+            <a:xfrm>
+              <a:off x="8015953" y="4814204"/>
+              <a:ext cx="370614" cy="292388"/>
+            </a:xfrm>
+            <a:prstGeom prst="rect">
+              <a:avLst/>
+            </a:prstGeom>
+            <a:noFill/>
+          </p:spPr>
+          <p:txBody>
+            <a:bodyPr wrap="none" rtlCol="0">
+              <a:spAutoFit/>
+            </a:bodyPr>
+            <a:lstStyle/>
+            <a:p>
+              <a:r>
+                <a:rPr lang="en-US" sz="1300" dirty="0">
+                  <a:latin typeface="Helvetica" charset="0"/>
+                  <a:ea typeface="Helvetica" charset="0"/>
+                  <a:cs typeface="Helvetica" charset="0"/>
+                </a:rPr>
+                <a:t>20</a:t>
+              </a:r>
+            </a:p>
+          </p:txBody>
+        </p:sp>
+      </p:grpSp>
+      <p:sp>
+        <p:nvSpPr>
+          <p:cNvPr id="494" name="TextBox 493"/>
+          <p:cNvSpPr txBox="1"/>
+          <p:nvPr/>
+        </p:nvSpPr>
+        <p:spPr>
+          <a:xfrm>
+            <a:off x="5467321" y="4116034"/>
+            <a:ext cx="1787703" cy="292388"/>
+          </a:xfrm>
+          <a:prstGeom prst="rect">
+            <a:avLst/>
+          </a:prstGeom>
+          <a:noFill/>
+        </p:spPr>
+        <p:txBody>
+          <a:bodyPr wrap="square" rtlCol="0">
+            <a:spAutoFit/>
+          </a:bodyPr>
+          <a:lstStyle/>
+          <a:p>
+            <a:r>
+              <a:rPr lang="en-US" sz="1300" dirty="0"/>
+              <a:t>Distance (mm)</a:t>
+            </a:r>
+          </a:p>
+        </p:txBody>
+      </p:sp>
+      <p:sp>
+        <p:nvSpPr>
+          <p:cNvPr id="495" name="TextBox 494"/>
+          <p:cNvSpPr txBox="1"/>
+          <p:nvPr/>
+        </p:nvSpPr>
+        <p:spPr>
+          <a:xfrm rot="16200000">
+            <a:off x="3006812" y="3021401"/>
+            <a:ext cx="1811505" cy="292388"/>
+          </a:xfrm>
+          <a:prstGeom prst="rect">
+            <a:avLst/>
+          </a:prstGeom>
+          <a:noFill/>
+        </p:spPr>
+        <p:txBody>
+          <a:bodyPr wrap="square" rtlCol="0">
+            <a:spAutoFit/>
+          </a:bodyPr>
+          <a:lstStyle/>
+          <a:p>
+            <a:r>
+              <a:rPr lang="en-US" sz="1300" dirty="0" smtClean="0"/>
+              <a:t>|E| (kV/cm</a:t>
+            </a:r>
+            <a:r>
+              <a:rPr lang="en-US" sz="1300" dirty="0"/>
+              <a:t>)</a:t>
+            </a:r>
+          </a:p>
+        </p:txBody>
+      </p:sp>
+      <p:grpSp>
+        <p:nvGrpSpPr>
+          <p:cNvPr id="395" name="Group 394"/>
+          <p:cNvGrpSpPr/>
+          <p:nvPr/>
+        </p:nvGrpSpPr>
+        <p:grpSpPr>
+          <a:xfrm>
+            <a:off x="3922825" y="3171353"/>
+            <a:ext cx="425116" cy="865346"/>
+            <a:chOff x="418197" y="3230094"/>
+            <a:chExt cx="425116" cy="865346"/>
+          </a:xfrm>
+        </p:grpSpPr>
+        <p:sp>
+          <p:nvSpPr>
+            <p:cNvPr id="396" name="TextBox 395"/>
+            <p:cNvSpPr txBox="1"/>
+            <p:nvPr/>
+          </p:nvSpPr>
+          <p:spPr>
+            <a:xfrm>
+              <a:off x="565673" y="3803052"/>
+              <a:ext cx="277640" cy="292388"/>
+            </a:xfrm>
+            <a:prstGeom prst="rect">
+              <a:avLst/>
+            </a:prstGeom>
+            <a:noFill/>
+          </p:spPr>
+          <p:txBody>
+            <a:bodyPr wrap="none" rtlCol="0">
+              <a:spAutoFit/>
+            </a:bodyPr>
+            <a:lstStyle/>
+            <a:p>
+              <a:r>
+                <a:rPr lang="en-US" sz="1300" dirty="0">
+                  <a:latin typeface="Helvetica" charset="0"/>
+                  <a:ea typeface="Helvetica" charset="0"/>
+                  <a:cs typeface="Helvetica" charset="0"/>
+                </a:rPr>
+                <a:t>0</a:t>
+              </a:r>
+            </a:p>
+          </p:txBody>
+        </p:sp>
+        <p:sp>
+          <p:nvSpPr>
+            <p:cNvPr id="397" name="TextBox 396"/>
+            <p:cNvSpPr txBox="1"/>
+            <p:nvPr/>
+          </p:nvSpPr>
+          <p:spPr>
+            <a:xfrm>
+              <a:off x="472699" y="3520514"/>
+              <a:ext cx="370614" cy="292388"/>
+            </a:xfrm>
+            <a:prstGeom prst="rect">
+              <a:avLst/>
+            </a:prstGeom>
+            <a:noFill/>
+          </p:spPr>
+          <p:txBody>
+            <a:bodyPr wrap="none" rtlCol="0">
+              <a:spAutoFit/>
+            </a:bodyPr>
+            <a:lstStyle/>
+            <a:p>
+              <a:r>
+                <a:rPr lang="en-US" sz="1300">
+                  <a:latin typeface="Helvetica" charset="0"/>
+                  <a:ea typeface="Helvetica" charset="0"/>
+                  <a:cs typeface="Helvetica" charset="0"/>
+                </a:rPr>
+                <a:t>50</a:t>
+              </a:r>
+              <a:endParaRPr lang="en-US" sz="1300" dirty="0">
+                <a:latin typeface="Helvetica" charset="0"/>
+                <a:ea typeface="Helvetica" charset="0"/>
+                <a:cs typeface="Helvetica" charset="0"/>
+              </a:endParaRPr>
+            </a:p>
+          </p:txBody>
+        </p:sp>
+        <p:sp>
+          <p:nvSpPr>
+            <p:cNvPr id="398" name="TextBox 397"/>
+            <p:cNvSpPr txBox="1"/>
+            <p:nvPr/>
+          </p:nvSpPr>
+          <p:spPr>
+            <a:xfrm>
+              <a:off x="418197" y="3230094"/>
+              <a:ext cx="425116" cy="292388"/>
+            </a:xfrm>
+            <a:prstGeom prst="rect">
+              <a:avLst/>
+            </a:prstGeom>
+            <a:noFill/>
+          </p:spPr>
+          <p:txBody>
+            <a:bodyPr wrap="none" rtlCol="0">
+              <a:spAutoFit/>
+            </a:bodyPr>
+            <a:lstStyle/>
+            <a:p>
+              <a:r>
+                <a:rPr lang="en-US" sz="1300" spc="-100" dirty="0">
+                  <a:latin typeface="Helvetica" charset="0"/>
+                  <a:ea typeface="Helvetica" charset="0"/>
+                  <a:cs typeface="Helvetica" charset="0"/>
+                </a:rPr>
+                <a:t>100</a:t>
+              </a:r>
+            </a:p>
+          </p:txBody>
+        </p:sp>
+      </p:grpSp>
+    </p:spTree>
+    <p:extLst>
+      <p:ext uri="{BB962C8B-B14F-4D97-AF65-F5344CB8AC3E}">
+        <p14:creationId xmlns:p14="http://schemas.microsoft.com/office/powerpoint/2010/main" val="1779715962"/>
+      </p:ext>
+    </p:extLst>
+  </p:cSld>
+  <p:clrMapOvr>
+    <a:masterClrMapping/>
+  </p:clrMapOvr>
+</p:sld>
+</file>
+
 <file path=ppt/theme/theme1.xml><?xml version="1.0" encoding="utf-8"?>
 <a:theme xmlns:a="http://schemas.openxmlformats.org/drawingml/2006/main" name="Office Theme">
   <a:themeElements>
@@ -11279,7 +16648,40 @@
       </a:bgFillStyleLst>
     </a:fmtScheme>
   </a:themeElements>
-  <a:objectDefaults/>
+  <a:objectDefaults>
+    <a:spDef>
+      <a:spPr>
+        <a:solidFill>
+          <a:schemeClr val="bg1"/>
+        </a:solidFill>
+        <a:ln>
+          <a:noFill/>
+        </a:ln>
+      </a:spPr>
+      <a:bodyPr rtlCol="0" anchor="ctr"/>
+      <a:lstStyle>
+        <a:defPPr algn="ctr">
+          <a:defRPr/>
+        </a:defPPr>
+      </a:lstStyle>
+      <a:style>
+        <a:lnRef idx="2">
+          <a:schemeClr val="accent1">
+            <a:shade val="50000"/>
+          </a:schemeClr>
+        </a:lnRef>
+        <a:fillRef idx="1">
+          <a:schemeClr val="accent1"/>
+        </a:fillRef>
+        <a:effectRef idx="0">
+          <a:schemeClr val="accent1"/>
+        </a:effectRef>
+        <a:fontRef idx="minor">
+          <a:schemeClr val="lt1"/>
+        </a:fontRef>
+      </a:style>
+    </a:spDef>
+  </a:objectDefaults>
   <a:extraClrSchemeLst/>
   <a:extLst>
     <a:ext uri="{05A4C25C-085E-4340-85A3-A5531E510DB2}">
